--- a/IA/IA.pptx
+++ b/IA/IA.pptx
@@ -5,29 +5,32 @@
     <p:sldMasterId id="2147483648" r:id="rId4"/>
   </p:sldMasterIdLst>
   <p:notesMasterIdLst>
-    <p:notesMasterId r:id="rId22"/>
+    <p:notesMasterId r:id="rId25"/>
   </p:notesMasterIdLst>
   <p:handoutMasterIdLst>
-    <p:handoutMasterId r:id="rId23"/>
+    <p:handoutMasterId r:id="rId26"/>
   </p:handoutMasterIdLst>
   <p:sldIdLst>
     <p:sldId id="256" r:id="rId5"/>
     <p:sldId id="279" r:id="rId6"/>
     <p:sldId id="278" r:id="rId7"/>
-    <p:sldId id="265" r:id="rId8"/>
+    <p:sldId id="296" r:id="rId8"/>
     <p:sldId id="281" r:id="rId9"/>
     <p:sldId id="284" r:id="rId10"/>
     <p:sldId id="285" r:id="rId11"/>
     <p:sldId id="277" r:id="rId12"/>
-    <p:sldId id="286" r:id="rId13"/>
+    <p:sldId id="291" r:id="rId13"/>
     <p:sldId id="282" r:id="rId14"/>
     <p:sldId id="267" r:id="rId15"/>
-    <p:sldId id="291" r:id="rId16"/>
+    <p:sldId id="295" r:id="rId16"/>
     <p:sldId id="269" r:id="rId17"/>
     <p:sldId id="287" r:id="rId18"/>
-    <p:sldId id="290" r:id="rId19"/>
-    <p:sldId id="289" r:id="rId20"/>
-    <p:sldId id="288" r:id="rId21"/>
+    <p:sldId id="292" r:id="rId19"/>
+    <p:sldId id="293" r:id="rId20"/>
+    <p:sldId id="294" r:id="rId21"/>
+    <p:sldId id="290" r:id="rId22"/>
+    <p:sldId id="289" r:id="rId23"/>
+    <p:sldId id="288" r:id="rId24"/>
   </p:sldIdLst>
   <p:sldSz cx="12192000" cy="6858000"/>
   <p:notesSz cx="6858000" cy="9144000"/>
@@ -912,17 +915,55 @@
     </dgm:pt>
     <dgm:pt modelId="{516A4DDC-76BD-494E-B503-625555CCBC4A}">
       <dgm:prSet phldrT="[Text]"/>
-      <dgm:spPr/>
+      <dgm:spPr>
+        <a:gradFill rotWithShape="0">
+          <a:gsLst>
+            <a:gs pos="0">
+              <a:schemeClr val="accent1">
+                <a:hueOff val="0"/>
+                <a:satOff val="0"/>
+                <a:lumOff val="0"/>
+                <a:alphaOff val="0"/>
+                <a:satMod val="103000"/>
+                <a:lumMod val="102000"/>
+                <a:tint val="94000"/>
+              </a:schemeClr>
+            </a:gs>
+            <a:gs pos="0">
+              <a:schemeClr val="accent1">
+                <a:hueOff val="0"/>
+                <a:satOff val="0"/>
+                <a:lumOff val="0"/>
+                <a:alphaOff val="0"/>
+                <a:satMod val="110000"/>
+                <a:lumMod val="100000"/>
+                <a:shade val="100000"/>
+              </a:schemeClr>
+            </a:gs>
+            <a:gs pos="0">
+              <a:schemeClr val="accent1">
+                <a:hueOff val="0"/>
+                <a:satOff val="0"/>
+                <a:lumOff val="0"/>
+                <a:alphaOff val="0"/>
+                <a:lumMod val="99000"/>
+                <a:satMod val="120000"/>
+                <a:shade val="78000"/>
+              </a:schemeClr>
+            </a:gs>
+          </a:gsLst>
+        </a:gradFill>
+      </dgm:spPr>
       <dgm:t>
         <a:bodyPr rtlCol="0"/>
         <a:lstStyle/>
         <a:p>
           <a:pPr rtl="0"/>
           <a:r>
-            <a:rPr lang="en-US" dirty="0" err="1"/>
+            <a:rPr lang="pt-BR" b="1" i="0" dirty="0"/>
             <a:t>Classificação</a:t>
           </a:r>
-          <a:endParaRPr lang="en-US" dirty="0"/>
+          <a:endParaRPr lang="en-US" b="1" dirty="0"/>
         </a:p>
       </dgm:t>
     </dgm:pt>
@@ -951,18 +992,86 @@
       </dgm:t>
     </dgm:pt>
     <dgm:pt modelId="{41E3B52E-71B8-4BD0-B1ED-D051FFB12506}">
-      <dgm:prSet phldrT="[Text]"/>
-      <dgm:spPr/>
+      <dgm:prSet phldrT="[Text]" custT="1"/>
+      <dgm:spPr>
+        <a:gradFill rotWithShape="0">
+          <a:gsLst>
+            <a:gs pos="0">
+              <a:srgbClr val="92D050">
+                <a:hueOff val="0"/>
+                <a:satOff val="0"/>
+                <a:lumOff val="0"/>
+                <a:alphaOff val="0"/>
+                <a:satMod val="103000"/>
+                <a:lumMod val="102000"/>
+                <a:tint val="94000"/>
+              </a:srgbClr>
+            </a:gs>
+            <a:gs pos="0">
+              <a:srgbClr val="92D050">
+                <a:hueOff val="0"/>
+                <a:satOff val="0"/>
+                <a:lumOff val="0"/>
+                <a:alphaOff val="0"/>
+                <a:satMod val="110000"/>
+                <a:lumMod val="100000"/>
+                <a:shade val="100000"/>
+              </a:srgbClr>
+            </a:gs>
+            <a:gs pos="0">
+              <a:srgbClr val="92D050">
+                <a:hueOff val="0"/>
+                <a:satOff val="0"/>
+                <a:lumOff val="0"/>
+                <a:alphaOff val="0"/>
+                <a:lumMod val="99000"/>
+                <a:satMod val="120000"/>
+                <a:shade val="78000"/>
+              </a:srgbClr>
+            </a:gs>
+          </a:gsLst>
+          <a:lin ang="5400000" scaled="0"/>
+        </a:gradFill>
+        <a:ln>
+          <a:noFill/>
+        </a:ln>
+        <a:effectLst/>
+      </dgm:spPr>
       <dgm:t>
-        <a:bodyPr rtlCol="0"/>
+        <a:bodyPr spcFirstLastPara="0" vert="horz" wrap="square" lIns="26670" tIns="26670" rIns="26670" bIns="26670" numCol="1" spcCol="1270" rtlCol="0" anchor="ctr" anchorCtr="0"/>
         <a:lstStyle/>
         <a:p>
-          <a:pPr rtl="0"/>
+          <a:pPr marL="0" lvl="0" indent="0" algn="ctr" defTabSz="933450" rtl="0">
+            <a:lnSpc>
+              <a:spcPct val="90000"/>
+            </a:lnSpc>
+            <a:spcBef>
+              <a:spcPct val="0"/>
+            </a:spcBef>
+            <a:spcAft>
+              <a:spcPct val="35000"/>
+            </a:spcAft>
+            <a:buNone/>
+          </a:pPr>
           <a:r>
-            <a:rPr lang="en-US" dirty="0" err="1"/>
+            <a:rPr lang="pt-BR" sz="3500" b="1" i="0" kern="1200" dirty="0">
+              <a:solidFill>
+                <a:prstClr val="white"/>
+              </a:solidFill>
+              <a:latin typeface="Candara"/>
+              <a:ea typeface="+mn-ea"/>
+              <a:cs typeface="+mn-cs"/>
+            </a:rPr>
             <a:t>Regressão</a:t>
           </a:r>
-          <a:endParaRPr lang="en-US" dirty="0"/>
+          <a:endParaRPr lang="en-US" sz="3500" b="1" i="0" kern="1200" dirty="0">
+            <a:solidFill>
+              <a:prstClr val="white"/>
+            </a:solidFill>
+            <a:latin typeface="Candara"/>
+            <a:ea typeface="+mn-ea"/>
+            <a:cs typeface="+mn-cs"/>
+          </a:endParaRPr>
         </a:p>
       </dgm:t>
     </dgm:pt>
@@ -1162,18 +1271,86 @@
       </dgm:t>
     </dgm:pt>
     <dgm:pt modelId="{EA587102-578B-46F3-8D9E-CEC48527A898}">
-      <dgm:prSet phldrT="[Text]"/>
-      <dgm:spPr/>
+      <dgm:prSet phldrT="[Text]" custT="1"/>
+      <dgm:spPr>
+        <a:gradFill rotWithShape="0">
+          <a:gsLst>
+            <a:gs pos="0">
+              <a:srgbClr val="92D050">
+                <a:hueOff val="0"/>
+                <a:satOff val="0"/>
+                <a:lumOff val="0"/>
+                <a:alphaOff val="0"/>
+                <a:satMod val="103000"/>
+                <a:lumMod val="102000"/>
+                <a:tint val="94000"/>
+              </a:srgbClr>
+            </a:gs>
+            <a:gs pos="0">
+              <a:srgbClr val="92D050">
+                <a:hueOff val="0"/>
+                <a:satOff val="0"/>
+                <a:lumOff val="0"/>
+                <a:alphaOff val="0"/>
+                <a:satMod val="110000"/>
+                <a:lumMod val="100000"/>
+                <a:shade val="100000"/>
+              </a:srgbClr>
+            </a:gs>
+            <a:gs pos="0">
+              <a:srgbClr val="92D050">
+                <a:hueOff val="0"/>
+                <a:satOff val="0"/>
+                <a:lumOff val="0"/>
+                <a:alphaOff val="0"/>
+                <a:lumMod val="99000"/>
+                <a:satMod val="120000"/>
+                <a:shade val="78000"/>
+              </a:srgbClr>
+            </a:gs>
+          </a:gsLst>
+          <a:lin ang="5400000" scaled="0"/>
+        </a:gradFill>
+        <a:ln>
+          <a:noFill/>
+        </a:ln>
+        <a:effectLst/>
+      </dgm:spPr>
       <dgm:t>
-        <a:bodyPr rtlCol="0"/>
+        <a:bodyPr spcFirstLastPara="0" vert="horz" wrap="square" lIns="26670" tIns="26670" rIns="26670" bIns="26670" numCol="1" spcCol="1270" rtlCol="0" anchor="ctr" anchorCtr="0"/>
         <a:lstStyle/>
         <a:p>
-          <a:pPr rtl="0"/>
+          <a:pPr marL="0" lvl="0" indent="0" algn="ctr" defTabSz="933450" rtl="0">
+            <a:lnSpc>
+              <a:spcPct val="90000"/>
+            </a:lnSpc>
+            <a:spcBef>
+              <a:spcPct val="0"/>
+            </a:spcBef>
+            <a:spcAft>
+              <a:spcPct val="35000"/>
+            </a:spcAft>
+            <a:buNone/>
+          </a:pPr>
           <a:r>
-            <a:rPr lang="en-US" dirty="0" err="1"/>
+            <a:rPr lang="pt-BR" sz="3400" b="1" i="0" kern="1200" dirty="0">
+              <a:solidFill>
+                <a:prstClr val="white"/>
+              </a:solidFill>
+              <a:latin typeface="Candara"/>
+              <a:ea typeface="+mn-ea"/>
+              <a:cs typeface="+mn-cs"/>
+            </a:rPr>
             <a:t>Clusterização</a:t>
           </a:r>
-          <a:endParaRPr lang="en-US" dirty="0"/>
+          <a:endParaRPr lang="en-US" sz="3400" b="1" i="0" kern="1200" dirty="0">
+            <a:solidFill>
+              <a:prstClr val="white"/>
+            </a:solidFill>
+            <a:latin typeface="Candara"/>
+            <a:ea typeface="+mn-ea"/>
+            <a:cs typeface="+mn-cs"/>
+          </a:endParaRPr>
         </a:p>
       </dgm:t>
     </dgm:pt>
@@ -1242,26 +1419,108 @@
       </dgm:t>
     </dgm:pt>
     <dgm:pt modelId="{5CA89521-836B-470D-B51C-F8A4714D4EFF}">
-      <dgm:prSet phldrT="[Text]"/>
-      <dgm:spPr/>
+      <dgm:prSet phldrT="[Text]" custT="1"/>
+      <dgm:spPr>
+        <a:gradFill rotWithShape="0">
+          <a:gsLst>
+            <a:gs pos="0">
+              <a:srgbClr val="92D050">
+                <a:hueOff val="0"/>
+                <a:satOff val="0"/>
+                <a:lumOff val="0"/>
+                <a:alphaOff val="0"/>
+                <a:satMod val="103000"/>
+                <a:lumMod val="102000"/>
+                <a:tint val="94000"/>
+              </a:srgbClr>
+            </a:gs>
+            <a:gs pos="0">
+              <a:srgbClr val="92D050">
+                <a:hueOff val="0"/>
+                <a:satOff val="0"/>
+                <a:lumOff val="0"/>
+                <a:alphaOff val="0"/>
+                <a:satMod val="110000"/>
+                <a:lumMod val="100000"/>
+                <a:shade val="100000"/>
+              </a:srgbClr>
+            </a:gs>
+            <a:gs pos="0">
+              <a:srgbClr val="92D050">
+                <a:hueOff val="0"/>
+                <a:satOff val="0"/>
+                <a:lumOff val="0"/>
+                <a:alphaOff val="0"/>
+                <a:lumMod val="99000"/>
+                <a:satMod val="120000"/>
+                <a:shade val="78000"/>
+              </a:srgbClr>
+            </a:gs>
+          </a:gsLst>
+          <a:lin ang="5400000" scaled="0"/>
+        </a:gradFill>
+        <a:ln>
+          <a:noFill/>
+        </a:ln>
+        <a:effectLst/>
+      </dgm:spPr>
       <dgm:t>
-        <a:bodyPr rtlCol="0"/>
+        <a:bodyPr spcFirstLastPara="0" vert="horz" wrap="square" lIns="26670" tIns="26670" rIns="26670" bIns="26670" numCol="1" spcCol="1270" rtlCol="0" anchor="ctr" anchorCtr="0"/>
         <a:lstStyle/>
         <a:p>
-          <a:pPr rtl="0"/>
+          <a:pPr marL="0" lvl="0" indent="0" algn="ctr" defTabSz="933450" rtl="0">
+            <a:lnSpc>
+              <a:spcPct val="90000"/>
+            </a:lnSpc>
+            <a:spcBef>
+              <a:spcPct val="0"/>
+            </a:spcBef>
+            <a:spcAft>
+              <a:spcPct val="35000"/>
+            </a:spcAft>
+            <a:buNone/>
+          </a:pPr>
           <a:r>
-            <a:rPr lang="en-US" dirty="0" err="1"/>
+            <a:rPr lang="en-US" sz="2600" b="1" i="0" kern="1200" dirty="0" err="1">
+              <a:solidFill>
+                <a:prstClr val="white"/>
+              </a:solidFill>
+              <a:latin typeface="Candara"/>
+              <a:ea typeface="+mn-ea"/>
+              <a:cs typeface="+mn-cs"/>
+            </a:rPr>
             <a:t>Redução</a:t>
           </a:r>
           <a:r>
-            <a:rPr lang="en-US" dirty="0"/>
+            <a:rPr lang="en-US" sz="2600" b="1" i="0" kern="1200" dirty="0">
+              <a:solidFill>
+                <a:prstClr val="white"/>
+              </a:solidFill>
+              <a:latin typeface="Candara"/>
+              <a:ea typeface="+mn-ea"/>
+              <a:cs typeface="+mn-cs"/>
+            </a:rPr>
             <a:t> </a:t>
           </a:r>
           <a:r>
-            <a:rPr lang="en-US" dirty="0" err="1"/>
+            <a:rPr lang="en-US" sz="2600" b="1" i="0" kern="1200" dirty="0" err="1">
+              <a:solidFill>
+                <a:prstClr val="white"/>
+              </a:solidFill>
+              <a:latin typeface="Candara"/>
+              <a:ea typeface="+mn-ea"/>
+              <a:cs typeface="+mn-cs"/>
+            </a:rPr>
             <a:t>dimencional</a:t>
           </a:r>
-          <a:endParaRPr lang="en-US" dirty="0"/>
+          <a:endParaRPr lang="en-US" sz="2600" b="1" i="0" kern="1200" dirty="0">
+            <a:solidFill>
+              <a:prstClr val="white"/>
+            </a:solidFill>
+            <a:latin typeface="Candara"/>
+            <a:ea typeface="+mn-ea"/>
+            <a:cs typeface="+mn-cs"/>
+          </a:endParaRPr>
         </a:p>
       </dgm:t>
     </dgm:pt>
@@ -1473,7 +1732,17 @@
     </dgm:pt>
     <dgm:pt modelId="{09ADE9CE-20B7-4A4E-BED6-D56E4ED1D855}" type="pres">
       <dgm:prSet presAssocID="{41E3B52E-71B8-4BD0-B1ED-D051FFB12506}" presName="header" presStyleLbl="node1" presStyleIdx="1" presStyleCnt="4"/>
-      <dgm:spPr/>
+      <dgm:spPr>
+        <a:xfrm>
+          <a:off x="2972670" y="839504"/>
+          <a:ext cx="2605578" cy="651394"/>
+        </a:xfrm>
+        <a:prstGeom prst="roundRect">
+          <a:avLst>
+            <a:gd name="adj" fmla="val 10000"/>
+          </a:avLst>
+        </a:prstGeom>
+      </dgm:spPr>
     </dgm:pt>
     <dgm:pt modelId="{C8CE6287-76AA-46C4-B478-0F9183DE6118}" type="pres">
       <dgm:prSet presAssocID="{F342D04F-4D11-41CC-AB66-36041A902B44}" presName="parTrans" presStyleLbl="sibTrans2D1" presStyleIdx="3" presStyleCnt="8"/>
@@ -1524,7 +1793,17 @@
     </dgm:pt>
     <dgm:pt modelId="{67971461-EE07-4B5E-A0C3-A166C6559682}" type="pres">
       <dgm:prSet presAssocID="{EA587102-578B-46F3-8D9E-CEC48527A898}" presName="header" presStyleLbl="node1" presStyleIdx="2" presStyleCnt="4"/>
-      <dgm:spPr/>
+      <dgm:spPr>
+        <a:xfrm>
+          <a:off x="5943030" y="839504"/>
+          <a:ext cx="2605578" cy="651394"/>
+        </a:xfrm>
+        <a:prstGeom prst="roundRect">
+          <a:avLst>
+            <a:gd name="adj" fmla="val 10000"/>
+          </a:avLst>
+        </a:prstGeom>
+      </dgm:spPr>
     </dgm:pt>
     <dgm:pt modelId="{BF9CEF10-4726-4D20-AC2F-85DE706D0D00}" type="pres">
       <dgm:prSet presAssocID="{403B4542-B2F8-496D-BBEA-3A684B1106F9}" presName="parTrans" presStyleLbl="sibTrans2D1" presStyleIdx="6" presStyleCnt="8"/>
@@ -1549,7 +1828,17 @@
     </dgm:pt>
     <dgm:pt modelId="{DA50ACFD-2722-4D29-B376-5CF3C8F3EB41}" type="pres">
       <dgm:prSet presAssocID="{5CA89521-836B-470D-B51C-F8A4714D4EFF}" presName="header" presStyleLbl="node1" presStyleIdx="3" presStyleCnt="4"/>
-      <dgm:spPr/>
+      <dgm:spPr>
+        <a:xfrm>
+          <a:off x="8913390" y="839504"/>
+          <a:ext cx="2605578" cy="651394"/>
+        </a:xfrm>
+        <a:prstGeom prst="roundRect">
+          <a:avLst>
+            <a:gd name="adj" fmla="val 10000"/>
+          </a:avLst>
+        </a:prstGeom>
+      </dgm:spPr>
     </dgm:pt>
     <dgm:pt modelId="{E31C91BC-3A8F-4AC7-8DBF-330AFF31351C}" type="pres">
       <dgm:prSet presAssocID="{525F31A2-90BB-4E18-B1F5-10D38B8099D9}" presName="parTrans" presStyleLbl="sibTrans2D1" presStyleIdx="7" presStyleCnt="8"/>
@@ -1673,7 +1962,7 @@
                 <a:tint val="94000"/>
               </a:schemeClr>
             </a:gs>
-            <a:gs pos="50000">
+            <a:gs pos="0">
               <a:schemeClr val="accent1">
                 <a:hueOff val="0"/>
                 <a:satOff val="0"/>
@@ -1684,7 +1973,7 @@
                 <a:shade val="100000"/>
               </a:schemeClr>
             </a:gs>
-            <a:gs pos="100000">
+            <a:gs pos="0">
               <a:schemeClr val="accent1">
                 <a:hueOff val="0"/>
                 <a:satOff val="0"/>
@@ -1718,12 +2007,12 @@
         </a:fontRef>
       </dsp:style>
       <dsp:txBody>
-        <a:bodyPr spcFirstLastPara="0" vert="horz" wrap="square" lIns="26670" tIns="26670" rIns="26670" bIns="26670" numCol="1" spcCol="1270" rtlCol="0" anchor="ctr" anchorCtr="0">
+        <a:bodyPr spcFirstLastPara="0" vert="horz" wrap="square" lIns="44450" tIns="44450" rIns="44450" bIns="44450" numCol="1" spcCol="1270" rtlCol="0" anchor="ctr" anchorCtr="0">
           <a:noAutofit/>
         </a:bodyPr>
         <a:lstStyle/>
         <a:p>
-          <a:pPr marL="0" lvl="0" indent="0" algn="ctr" defTabSz="933450" rtl="0">
+          <a:pPr marL="0" lvl="0" indent="0" algn="ctr" defTabSz="1555750" rtl="0">
             <a:lnSpc>
               <a:spcPct val="90000"/>
             </a:lnSpc>
@@ -1736,10 +2025,10 @@
             <a:buNone/>
           </a:pPr>
           <a:r>
-            <a:rPr lang="en-US" sz="2100" kern="1200" dirty="0" err="1"/>
+            <a:rPr lang="pt-BR" sz="3500" b="1" i="0" kern="1200" dirty="0"/>
             <a:t>Classificação</a:t>
           </a:r>
-          <a:endParaRPr lang="en-US" sz="2100" kern="1200" dirty="0"/>
+          <a:endParaRPr lang="en-US" sz="3500" b="1" kern="1200" dirty="0"/>
         </a:p>
       </dsp:txBody>
       <dsp:txXfrm>
@@ -2254,7 +2543,7 @@
         <a:gradFill rotWithShape="0">
           <a:gsLst>
             <a:gs pos="0">
-              <a:schemeClr val="accent1">
+              <a:srgbClr val="92D050">
                 <a:hueOff val="0"/>
                 <a:satOff val="0"/>
                 <a:lumOff val="0"/>
@@ -2262,10 +2551,10 @@
                 <a:satMod val="103000"/>
                 <a:lumMod val="102000"/>
                 <a:tint val="94000"/>
-              </a:schemeClr>
+              </a:srgbClr>
             </a:gs>
-            <a:gs pos="50000">
-              <a:schemeClr val="accent1">
+            <a:gs pos="0">
+              <a:srgbClr val="92D050">
                 <a:hueOff val="0"/>
                 <a:satOff val="0"/>
                 <a:lumOff val="0"/>
@@ -2273,10 +2562,10 @@
                 <a:satMod val="110000"/>
                 <a:lumMod val="100000"/>
                 <a:shade val="100000"/>
-              </a:schemeClr>
+              </a:srgbClr>
             </a:gs>
-            <a:gs pos="100000">
-              <a:schemeClr val="accent1">
+            <a:gs pos="0">
+              <a:srgbClr val="92D050">
                 <a:hueOff val="0"/>
                 <a:satOff val="0"/>
                 <a:lumOff val="0"/>
@@ -2284,7 +2573,7 @@
                 <a:lumMod val="99000"/>
                 <a:satMod val="120000"/>
                 <a:shade val="78000"/>
-              </a:schemeClr>
+              </a:srgbClr>
             </a:gs>
           </a:gsLst>
           <a:lin ang="5400000" scaled="0"/>
@@ -2327,10 +2616,24 @@
             <a:buNone/>
           </a:pPr>
           <a:r>
-            <a:rPr lang="en-US" sz="2100" kern="1200" dirty="0" err="1"/>
+            <a:rPr lang="pt-BR" sz="3500" b="1" i="0" kern="1200" dirty="0">
+              <a:solidFill>
+                <a:prstClr val="white"/>
+              </a:solidFill>
+              <a:latin typeface="Candara"/>
+              <a:ea typeface="+mn-ea"/>
+              <a:cs typeface="+mn-cs"/>
+            </a:rPr>
             <a:t>Regressão</a:t>
           </a:r>
-          <a:endParaRPr lang="en-US" sz="2100" kern="1200" dirty="0"/>
+          <a:endParaRPr lang="en-US" sz="3500" b="1" i="0" kern="1200" dirty="0">
+            <a:solidFill>
+              <a:prstClr val="white"/>
+            </a:solidFill>
+            <a:latin typeface="Candara"/>
+            <a:ea typeface="+mn-ea"/>
+            <a:cs typeface="+mn-cs"/>
+          </a:endParaRPr>
         </a:p>
       </dsp:txBody>
       <dsp:txXfrm>
@@ -2836,7 +3139,7 @@
         <a:gradFill rotWithShape="0">
           <a:gsLst>
             <a:gs pos="0">
-              <a:schemeClr val="accent1">
+              <a:srgbClr val="92D050">
                 <a:hueOff val="0"/>
                 <a:satOff val="0"/>
                 <a:lumOff val="0"/>
@@ -2844,10 +3147,10 @@
                 <a:satMod val="103000"/>
                 <a:lumMod val="102000"/>
                 <a:tint val="94000"/>
-              </a:schemeClr>
+              </a:srgbClr>
             </a:gs>
-            <a:gs pos="50000">
-              <a:schemeClr val="accent1">
+            <a:gs pos="0">
+              <a:srgbClr val="92D050">
                 <a:hueOff val="0"/>
                 <a:satOff val="0"/>
                 <a:lumOff val="0"/>
@@ -2855,10 +3158,10 @@
                 <a:satMod val="110000"/>
                 <a:lumMod val="100000"/>
                 <a:shade val="100000"/>
-              </a:schemeClr>
+              </a:srgbClr>
             </a:gs>
-            <a:gs pos="100000">
-              <a:schemeClr val="accent1">
+            <a:gs pos="0">
+              <a:srgbClr val="92D050">
                 <a:hueOff val="0"/>
                 <a:satOff val="0"/>
                 <a:lumOff val="0"/>
@@ -2866,7 +3169,7 @@
                 <a:lumMod val="99000"/>
                 <a:satMod val="120000"/>
                 <a:shade val="78000"/>
-              </a:schemeClr>
+              </a:srgbClr>
             </a:gs>
           </a:gsLst>
           <a:lin ang="5400000" scaled="0"/>
@@ -2909,10 +3212,24 @@
             <a:buNone/>
           </a:pPr>
           <a:r>
-            <a:rPr lang="en-US" sz="2100" kern="1200" dirty="0" err="1"/>
+            <a:rPr lang="pt-BR" sz="3400" b="1" i="0" kern="1200" dirty="0">
+              <a:solidFill>
+                <a:prstClr val="white"/>
+              </a:solidFill>
+              <a:latin typeface="Candara"/>
+              <a:ea typeface="+mn-ea"/>
+              <a:cs typeface="+mn-cs"/>
+            </a:rPr>
             <a:t>Clusterização</a:t>
           </a:r>
-          <a:endParaRPr lang="en-US" sz="2100" kern="1200" dirty="0"/>
+          <a:endParaRPr lang="en-US" sz="3400" b="1" i="0" kern="1200" dirty="0">
+            <a:solidFill>
+              <a:prstClr val="white"/>
+            </a:solidFill>
+            <a:latin typeface="Candara"/>
+            <a:ea typeface="+mn-ea"/>
+            <a:cs typeface="+mn-cs"/>
+          </a:endParaRPr>
         </a:p>
       </dsp:txBody>
       <dsp:txXfrm>
@@ -3098,7 +3415,7 @@
         <a:gradFill rotWithShape="0">
           <a:gsLst>
             <a:gs pos="0">
-              <a:schemeClr val="accent1">
+              <a:srgbClr val="92D050">
                 <a:hueOff val="0"/>
                 <a:satOff val="0"/>
                 <a:lumOff val="0"/>
@@ -3106,10 +3423,10 @@
                 <a:satMod val="103000"/>
                 <a:lumMod val="102000"/>
                 <a:tint val="94000"/>
-              </a:schemeClr>
+              </a:srgbClr>
             </a:gs>
-            <a:gs pos="50000">
-              <a:schemeClr val="accent1">
+            <a:gs pos="0">
+              <a:srgbClr val="92D050">
                 <a:hueOff val="0"/>
                 <a:satOff val="0"/>
                 <a:lumOff val="0"/>
@@ -3117,10 +3434,10 @@
                 <a:satMod val="110000"/>
                 <a:lumMod val="100000"/>
                 <a:shade val="100000"/>
-              </a:schemeClr>
+              </a:srgbClr>
             </a:gs>
-            <a:gs pos="100000">
-              <a:schemeClr val="accent1">
+            <a:gs pos="0">
+              <a:srgbClr val="92D050">
                 <a:hueOff val="0"/>
                 <a:satOff val="0"/>
                 <a:lumOff val="0"/>
@@ -3128,7 +3445,7 @@
                 <a:lumMod val="99000"/>
                 <a:satMod val="120000"/>
                 <a:shade val="78000"/>
-              </a:schemeClr>
+              </a:srgbClr>
             </a:gs>
           </a:gsLst>
           <a:lin ang="5400000" scaled="0"/>
@@ -3171,18 +3488,46 @@
             <a:buNone/>
           </a:pPr>
           <a:r>
-            <a:rPr lang="en-US" sz="2100" kern="1200" dirty="0" err="1"/>
+            <a:rPr lang="en-US" sz="2600" b="1" i="0" kern="1200" dirty="0" err="1">
+              <a:solidFill>
+                <a:prstClr val="white"/>
+              </a:solidFill>
+              <a:latin typeface="Candara"/>
+              <a:ea typeface="+mn-ea"/>
+              <a:cs typeface="+mn-cs"/>
+            </a:rPr>
             <a:t>Redução</a:t>
           </a:r>
           <a:r>
-            <a:rPr lang="en-US" sz="2100" kern="1200" dirty="0"/>
+            <a:rPr lang="en-US" sz="2600" b="1" i="0" kern="1200" dirty="0">
+              <a:solidFill>
+                <a:prstClr val="white"/>
+              </a:solidFill>
+              <a:latin typeface="Candara"/>
+              <a:ea typeface="+mn-ea"/>
+              <a:cs typeface="+mn-cs"/>
+            </a:rPr>
             <a:t> </a:t>
           </a:r>
           <a:r>
-            <a:rPr lang="en-US" sz="2100" kern="1200" dirty="0" err="1"/>
+            <a:rPr lang="en-US" sz="2600" b="1" i="0" kern="1200" dirty="0" err="1">
+              <a:solidFill>
+                <a:prstClr val="white"/>
+              </a:solidFill>
+              <a:latin typeface="Candara"/>
+              <a:ea typeface="+mn-ea"/>
+              <a:cs typeface="+mn-cs"/>
+            </a:rPr>
             <a:t>dimencional</a:t>
           </a:r>
-          <a:endParaRPr lang="en-US" sz="2100" kern="1200" dirty="0"/>
+          <a:endParaRPr lang="en-US" sz="2600" b="1" i="0" kern="1200" dirty="0">
+            <a:solidFill>
+              <a:prstClr val="white"/>
+            </a:solidFill>
+            <a:latin typeface="Candara"/>
+            <a:ea typeface="+mn-ea"/>
+            <a:cs typeface="+mn-cs"/>
+          </a:endParaRPr>
         </a:p>
       </dsp:txBody>
       <dsp:txXfrm>
@@ -8337,6 +8682,14 @@
 <file path=ppt/slides/slide1.xml><?xml version="1.0" encoding="utf-8"?>
 <p:sld xmlns:a="http://schemas.openxmlformats.org/drawingml/2006/main" xmlns:r="http://schemas.openxmlformats.org/officeDocument/2006/relationships" xmlns:p="http://schemas.openxmlformats.org/presentationml/2006/main">
   <p:cSld>
+    <p:bg>
+      <p:bgPr>
+        <a:solidFill>
+          <a:schemeClr val="tx1"/>
+        </a:solidFill>
+        <a:effectLst/>
+      </p:bgPr>
+    </p:bg>
     <p:spTree>
       <p:nvGrpSpPr>
         <p:cNvPr id="1" name=""/>
@@ -8368,12 +8721,22 @@
           </a:xfrm>
         </p:spPr>
         <p:txBody>
-          <a:bodyPr rtlCol="0" anchor="ctr"/>
+          <a:bodyPr rtlCol="0" anchor="ctr">
+            <a:normAutofit/>
+          </a:bodyPr>
           <a:lstStyle/>
           <a:p>
-            <a:pPr algn="ctr" rtl="0"/>
-            <a:r>
-              <a:rPr lang="pt-BR" dirty="0"/>
+            <a:pPr>
+              <a:lnSpc>
+                <a:spcPct val="90000"/>
+              </a:lnSpc>
+            </a:pPr>
+            <a:r>
+              <a:rPr lang="pt-BR" sz="4900" dirty="0">
+                <a:solidFill>
+                  <a:schemeClr val="accent1"/>
+                </a:solidFill>
+              </a:rPr>
               <a:t>Inteligência Artificial(I.A)</a:t>
             </a:r>
           </a:p>
@@ -8391,8 +8754,8 @@
         </p:nvSpPr>
         <p:spPr>
           <a:xfrm>
-            <a:off x="767408" y="4293096"/>
-            <a:ext cx="10058400" cy="685800"/>
+            <a:off x="479376" y="4293096"/>
+            <a:ext cx="10346432" cy="685800"/>
           </a:xfrm>
         </p:spPr>
         <p:txBody>
@@ -8401,12 +8764,63 @@
           <a:p>
             <a:pPr rtl="0"/>
             <a:r>
-              <a:rPr lang="pt-BR" dirty="0"/>
+              <a:rPr lang="pt-BR" dirty="0">
+                <a:solidFill>
+                  <a:schemeClr val="tx1"/>
+                </a:solidFill>
+              </a:rPr>
               <a:t>Luís Vitório</a:t>
             </a:r>
           </a:p>
         </p:txBody>
       </p:sp>
+      <p:pic>
+        <p:nvPicPr>
+          <p:cNvPr id="7176" name="Picture 8" descr="Imagem relacionada">
+            <a:extLst>
+              <a:ext uri="{FF2B5EF4-FFF2-40B4-BE49-F238E27FC236}">
+                <a16:creationId xmlns:a16="http://schemas.microsoft.com/office/drawing/2014/main" id="{EE149F01-97CB-4CF1-B810-8D500B4EC858}"/>
+              </a:ext>
+            </a:extLst>
+          </p:cNvPr>
+          <p:cNvPicPr>
+            <a:picLocks noChangeAspect="1" noChangeArrowheads="1"/>
+          </p:cNvPicPr>
+          <p:nvPr/>
+        </p:nvPicPr>
+        <p:blipFill>
+          <a:blip r:embed="rId2">
+            <a:extLst>
+              <a:ext uri="{28A0092B-C50C-407E-A947-70E740481C1C}">
+                <a14:useLocalDpi xmlns:a14="http://schemas.microsoft.com/office/drawing/2010/main" val="0"/>
+              </a:ext>
+            </a:extLst>
+          </a:blip>
+          <a:srcRect/>
+          <a:stretch>
+            <a:fillRect/>
+          </a:stretch>
+        </p:blipFill>
+        <p:spPr bwMode="auto">
+          <a:xfrm>
+            <a:off x="4151784" y="0"/>
+            <a:ext cx="3524250" cy="2397249"/>
+          </a:xfrm>
+          <a:prstGeom prst="rect">
+            <a:avLst/>
+          </a:prstGeom>
+          <a:noFill/>
+          <a:extLst>
+            <a:ext uri="{909E8E84-426E-40DD-AFC4-6F175D3DCCD1}">
+              <a14:hiddenFill xmlns:a14="http://schemas.microsoft.com/office/drawing/2010/main">
+                <a:solidFill>
+                  <a:srgbClr val="FFFFFF"/>
+                </a:solidFill>
+              </a14:hiddenFill>
+            </a:ext>
+          </a:extLst>
+        </p:spPr>
+      </p:pic>
     </p:spTree>
     <p:extLst>
       <p:ext uri="{BB962C8B-B14F-4D97-AF65-F5344CB8AC3E}">
@@ -8501,7 +8915,7 @@
           </p:nvPr>
         </p:nvPicPr>
         <p:blipFill>
-          <a:blip r:embed="rId3" cstate="print">
+          <a:blip r:embed="rId2" cstate="print">
             <a:extLst>
               <a:ext uri="{28A0092B-C50C-407E-A947-70E740481C1C}">
                 <a14:useLocalDpi xmlns:a14="http://schemas.microsoft.com/office/drawing/2010/main" val="0"/>
@@ -8514,8 +8928,8 @@
         </p:blipFill>
         <p:spPr>
           <a:xfrm>
-            <a:off x="983432" y="1268760"/>
-            <a:ext cx="10297144" cy="5052639"/>
+            <a:off x="0" y="1268760"/>
+            <a:ext cx="12192000" cy="5256584"/>
           </a:xfrm>
         </p:spPr>
       </p:pic>
@@ -8549,7 +8963,7 @@
           <a:p>
             <a:r>
               <a:rPr lang="pt-BR" dirty="0">
-                <a:hlinkClick r:id="rId4"/>
+                <a:hlinkClick r:id="rId3"/>
               </a:rPr>
               <a:t>https://scikit-learn.org/stable/tutorial/machine_learning_map/index.html</a:t>
             </a:r>
@@ -8599,19 +9013,20 @@
         </p:nvSpPr>
         <p:spPr>
           <a:xfrm>
-            <a:off x="1524000" y="457200"/>
-            <a:ext cx="9144000" cy="739552"/>
+            <a:off x="0" y="457200"/>
+            <a:ext cx="12192000" cy="739552"/>
           </a:xfrm>
         </p:spPr>
         <p:txBody>
           <a:bodyPr rtlCol="0" anchor="ctr">
-            <a:normAutofit fontScale="90000"/>
+            <a:noAutofit/>
           </a:bodyPr>
           <a:lstStyle/>
           <a:p>
+            <a:pPr algn="ctr"/>
             <a:r>
               <a:rPr lang="pt-BR" sz="5400" dirty="0"/>
-              <a:t>Alguns modelos ML</a:t>
+              <a:t>Alguns modelos Machine Learning</a:t>
             </a:r>
           </a:p>
         </p:txBody>
@@ -8628,85 +9043,153 @@
         </p:nvSpPr>
         <p:spPr>
           <a:xfrm>
-            <a:off x="1524000" y="1340768"/>
-            <a:ext cx="9468544" cy="5040559"/>
+            <a:off x="0" y="1484784"/>
+            <a:ext cx="12072664" cy="5373216"/>
           </a:xfrm>
         </p:spPr>
         <p:txBody>
-          <a:bodyPr rtlCol="0">
+          <a:bodyPr numCol="2" rtlCol="0">
             <a:normAutofit/>
           </a:bodyPr>
           <a:lstStyle/>
           <a:p>
-            <a:r>
-              <a:rPr lang="pt-BR" dirty="0"/>
+            <a:pPr marL="457200" indent="-457200" fontAlgn="base">
+              <a:buFont typeface="+mj-lt"/>
+              <a:buAutoNum type="arabicPeriod"/>
+            </a:pPr>
+            <a:r>
+              <a:rPr lang="pt-BR" sz="2600" dirty="0"/>
               <a:t>Regressão linear </a:t>
             </a:r>
           </a:p>
           <a:p>
-            <a:r>
-              <a:rPr lang="pt-BR" dirty="0"/>
+            <a:pPr marL="457200" indent="-457200" fontAlgn="base">
+              <a:buFont typeface="+mj-lt"/>
+              <a:buAutoNum type="arabicPeriod"/>
+            </a:pPr>
+            <a:r>
+              <a:rPr lang="pt-BR" sz="2600" dirty="0"/>
               <a:t>SVM (</a:t>
             </a:r>
             <a:r>
-              <a:rPr lang="pt-BR" dirty="0" err="1"/>
+              <a:rPr lang="pt-BR" sz="2600" dirty="0" err="1"/>
               <a:t>Support</a:t>
             </a:r>
             <a:r>
-              <a:rPr lang="pt-BR" dirty="0"/>
+              <a:rPr lang="pt-BR" sz="2600" dirty="0"/>
               <a:t> Vector Machine)</a:t>
             </a:r>
           </a:p>
           <a:p>
-            <a:r>
-              <a:rPr lang="pt-BR" dirty="0"/>
+            <a:pPr marL="457200" indent="-457200" fontAlgn="base">
+              <a:buFont typeface="+mj-lt"/>
+              <a:buAutoNum type="arabicPeriod"/>
+            </a:pPr>
+            <a:r>
+              <a:rPr lang="pt-BR" sz="2600" dirty="0"/>
               <a:t>KNN (K-vizinhos mais próximos)</a:t>
             </a:r>
           </a:p>
           <a:p>
-            <a:r>
-              <a:rPr lang="pt-BR" dirty="0"/>
+            <a:pPr marL="457200" indent="-457200" fontAlgn="base">
+              <a:buFont typeface="+mj-lt"/>
+              <a:buAutoNum type="arabicPeriod"/>
+            </a:pPr>
+            <a:r>
+              <a:rPr lang="pt-BR" sz="2600" dirty="0"/>
               <a:t>Regressão Logística</a:t>
             </a:r>
           </a:p>
           <a:p>
-            <a:r>
-              <a:rPr lang="pt-BR" dirty="0"/>
+            <a:pPr marL="457200" indent="-457200" fontAlgn="base">
+              <a:buFont typeface="+mj-lt"/>
+              <a:buAutoNum type="arabicPeriod"/>
+            </a:pPr>
+            <a:r>
+              <a:rPr lang="pt-BR" sz="2600" dirty="0"/>
               <a:t>Árvore de decisão</a:t>
             </a:r>
           </a:p>
           <a:p>
-            <a:r>
-              <a:rPr lang="pt-BR" dirty="0"/>
+            <a:pPr marL="457200" indent="-457200" fontAlgn="base">
+              <a:buFont typeface="+mj-lt"/>
+              <a:buAutoNum type="arabicPeriod"/>
+            </a:pPr>
+            <a:endParaRPr lang="pt-BR" sz="2600" dirty="0"/>
+          </a:p>
+          <a:p>
+            <a:pPr marL="457200" indent="-457200" fontAlgn="base">
+              <a:buFont typeface="+mj-lt"/>
+              <a:buAutoNum type="arabicPeriod"/>
+            </a:pPr>
+            <a:endParaRPr lang="pt-BR" sz="2600" dirty="0"/>
+          </a:p>
+          <a:p>
+            <a:pPr marL="457200" indent="-457200" fontAlgn="base">
+              <a:buFont typeface="+mj-lt"/>
+              <a:buAutoNum type="arabicPeriod"/>
+            </a:pPr>
+            <a:endParaRPr lang="pt-BR" sz="2600" dirty="0"/>
+          </a:p>
+          <a:p>
+            <a:pPr marL="457200" indent="-457200" fontAlgn="base">
+              <a:buFont typeface="+mj-lt"/>
+              <a:buAutoNum type="arabicPeriod"/>
+            </a:pPr>
+            <a:endParaRPr lang="pt-BR" sz="2600" dirty="0"/>
+          </a:p>
+          <a:p>
+            <a:pPr marL="457200" indent="-457200" fontAlgn="base">
+              <a:buFont typeface="+mj-lt"/>
+              <a:buAutoNum type="arabicPeriod"/>
+            </a:pPr>
+            <a:r>
+              <a:rPr lang="pt-BR" sz="2600" dirty="0"/>
               <a:t>K-</a:t>
             </a:r>
             <a:r>
-              <a:rPr lang="pt-BR" dirty="0" err="1"/>
+              <a:rPr lang="pt-BR" sz="2600" dirty="0" err="1"/>
               <a:t>Means</a:t>
             </a:r>
-            <a:endParaRPr lang="pt-BR" dirty="0"/>
-          </a:p>
-          <a:p>
-            <a:r>
-              <a:rPr lang="pt-BR" dirty="0"/>
+            <a:endParaRPr lang="pt-BR" sz="2600" dirty="0"/>
+          </a:p>
+          <a:p>
+            <a:pPr marL="457200" indent="-457200" fontAlgn="base">
+              <a:buFont typeface="+mj-lt"/>
+              <a:buAutoNum type="arabicPeriod"/>
+            </a:pPr>
+            <a:r>
+              <a:rPr lang="pt-BR" sz="2600" dirty="0"/>
               <a:t>Floresta aleatória</a:t>
             </a:r>
           </a:p>
           <a:p>
-            <a:r>
-              <a:rPr lang="pt-BR" dirty="0"/>
+            <a:pPr marL="457200" indent="-457200" fontAlgn="base">
+              <a:buFont typeface="+mj-lt"/>
+              <a:buAutoNum type="arabicPeriod"/>
+            </a:pPr>
+            <a:r>
+              <a:rPr lang="pt-BR" sz="2600" dirty="0"/>
               <a:t>Baías ingénuas</a:t>
             </a:r>
           </a:p>
           <a:p>
-            <a:r>
-              <a:rPr lang="pt-BR" dirty="0"/>
+            <a:pPr marL="457200" indent="-457200" fontAlgn="base">
+              <a:buFont typeface="+mj-lt"/>
+              <a:buAutoNum type="arabicPeriod"/>
+            </a:pPr>
+            <a:r>
+              <a:rPr lang="pt-BR" sz="2600" dirty="0"/>
               <a:t>Algoritmos de redução dimensional</a:t>
             </a:r>
           </a:p>
           <a:p>
-            <a:r>
-              <a:rPr lang="pt-BR" dirty="0"/>
+            <a:pPr marL="457200" indent="-457200" fontAlgn="base">
+              <a:buFont typeface="+mj-lt"/>
+              <a:buAutoNum type="arabicPeriod"/>
+            </a:pPr>
+            <a:r>
+              <a:rPr lang="pt-BR" sz="2600" dirty="0"/>
               <a:t>Algoritmos de aumento de gradiente</a:t>
             </a:r>
           </a:p>
@@ -8754,8 +9237,8 @@
         </p:nvSpPr>
         <p:spPr>
           <a:xfrm>
-            <a:off x="1524000" y="457200"/>
-            <a:ext cx="9144000" cy="739552"/>
+            <a:off x="0" y="457200"/>
+            <a:ext cx="5735960" cy="739552"/>
           </a:xfrm>
         </p:spPr>
         <p:txBody>
@@ -8764,9 +9247,10 @@
           </a:bodyPr>
           <a:lstStyle/>
           <a:p>
+            <a:pPr algn="ctr"/>
             <a:r>
               <a:rPr lang="pt-BR" sz="5400" dirty="0"/>
-              <a:t>Grupos de ML</a:t>
+              <a:t>Tarefas que ML realiza</a:t>
             </a:r>
           </a:p>
         </p:txBody>
@@ -8783,8 +9267,8 @@
         </p:nvSpPr>
         <p:spPr>
           <a:xfrm>
-            <a:off x="1524000" y="1340768"/>
-            <a:ext cx="9468544" cy="5040559"/>
+            <a:off x="407368" y="1628800"/>
+            <a:ext cx="4896544" cy="5040559"/>
           </a:xfrm>
         </p:spPr>
         <p:txBody>
@@ -8794,19 +9278,81 @@
           <a:lstStyle/>
           <a:p>
             <a:r>
-              <a:rPr lang="pt-BR" dirty="0">
-                <a:hlinkClick r:id="rId2"/>
-              </a:rPr>
-              <a:t>https://becode.com.br/o-que-e-machine-learning/</a:t>
-            </a:r>
-            <a:endParaRPr lang="pt-BR" dirty="0"/>
+              <a:rPr lang="pt-BR" sz="3600" dirty="0"/>
+              <a:t>Regressão</a:t>
+            </a:r>
+          </a:p>
+          <a:p>
+            <a:r>
+              <a:rPr lang="pt-BR" sz="3600" dirty="0"/>
+              <a:t>Classificação</a:t>
+            </a:r>
+          </a:p>
+          <a:p>
+            <a:r>
+              <a:rPr lang="pt-BR" sz="3600" dirty="0"/>
+              <a:t>Agrupamento</a:t>
+            </a:r>
+          </a:p>
+          <a:p>
+            <a:r>
+              <a:rPr lang="pt-BR" sz="3600" dirty="0"/>
+              <a:t>Redução Dimensional</a:t>
+            </a:r>
           </a:p>
         </p:txBody>
       </p:sp>
+      <p:pic>
+        <p:nvPicPr>
+          <p:cNvPr id="9220" name="Picture 4" descr="Resultado de imagem para robot work">
+            <a:extLst>
+              <a:ext uri="{FF2B5EF4-FFF2-40B4-BE49-F238E27FC236}">
+                <a16:creationId xmlns:a16="http://schemas.microsoft.com/office/drawing/2014/main" id="{E6BFC07F-1452-4AAA-8120-BCA3AECFF093}"/>
+              </a:ext>
+            </a:extLst>
+          </p:cNvPr>
+          <p:cNvPicPr>
+            <a:picLocks noChangeAspect="1" noChangeArrowheads="1"/>
+          </p:cNvPicPr>
+          <p:nvPr/>
+        </p:nvPicPr>
+        <p:blipFill>
+          <a:blip r:embed="rId2">
+            <a:extLst>
+              <a:ext uri="{28A0092B-C50C-407E-A947-70E740481C1C}">
+                <a14:useLocalDpi xmlns:a14="http://schemas.microsoft.com/office/drawing/2010/main" val="0"/>
+              </a:ext>
+            </a:extLst>
+          </a:blip>
+          <a:srcRect/>
+          <a:stretch>
+            <a:fillRect/>
+          </a:stretch>
+        </p:blipFill>
+        <p:spPr bwMode="auto">
+          <a:xfrm>
+            <a:off x="5879976" y="0"/>
+            <a:ext cx="6312024" cy="6858000"/>
+          </a:xfrm>
+          <a:prstGeom prst="rect">
+            <a:avLst/>
+          </a:prstGeom>
+          <a:noFill/>
+          <a:extLst>
+            <a:ext uri="{909E8E84-426E-40DD-AFC4-6F175D3DCCD1}">
+              <a14:hiddenFill xmlns:a14="http://schemas.microsoft.com/office/drawing/2010/main">
+                <a:solidFill>
+                  <a:srgbClr val="FFFFFF"/>
+                </a:solidFill>
+              </a14:hiddenFill>
+            </a:ext>
+          </a:extLst>
+        </p:spPr>
+      </p:pic>
     </p:spTree>
     <p:extLst>
       <p:ext uri="{BB962C8B-B14F-4D97-AF65-F5344CB8AC3E}">
-        <p14:creationId xmlns:p14="http://schemas.microsoft.com/office/powerpoint/2010/main" val="1960566537"/>
+        <p14:creationId xmlns:p14="http://schemas.microsoft.com/office/powerpoint/2010/main" val="342307643"/>
       </p:ext>
     </p:extLst>
   </p:cSld>
@@ -8873,7 +9419,7 @@
             <p:ph idx="1"/>
             <p:extLst>
               <p:ext uri="{D42A27DB-BD31-4B8C-83A1-F6EECF244321}">
-                <p14:modId xmlns:p14="http://schemas.microsoft.com/office/powerpoint/2010/main" val="1168523252"/>
+                <p14:modId xmlns:p14="http://schemas.microsoft.com/office/powerpoint/2010/main" val="2998381749"/>
               </p:ext>
             </p:extLst>
           </p:nvPr>
@@ -8930,8 +9476,8 @@
         </p:nvSpPr>
         <p:spPr>
           <a:xfrm>
-            <a:off x="1524000" y="457200"/>
-            <a:ext cx="9144000" cy="955576"/>
+            <a:off x="0" y="457200"/>
+            <a:ext cx="12192000" cy="955576"/>
           </a:xfrm>
         </p:spPr>
         <p:txBody>
@@ -8940,9 +9486,10 @@
           </a:bodyPr>
           <a:lstStyle/>
           <a:p>
+            <a:pPr algn="ctr"/>
             <a:r>
               <a:rPr lang="pt-BR" sz="5400" dirty="0"/>
-              <a:t>Algoritmos de ML</a:t>
+              <a:t>Tipos de Machine Learning</a:t>
             </a:r>
           </a:p>
         </p:txBody>
@@ -8959,8 +9506,8 @@
         </p:nvSpPr>
         <p:spPr>
           <a:xfrm>
-            <a:off x="1343472" y="1628800"/>
-            <a:ext cx="9468544" cy="4752527"/>
+            <a:off x="119336" y="1628800"/>
+            <a:ext cx="11953328" cy="4752527"/>
           </a:xfrm>
         </p:spPr>
         <p:txBody>
@@ -9042,8 +9589,8 @@
         </p:nvSpPr>
         <p:spPr>
           <a:xfrm>
-            <a:off x="1524000" y="457200"/>
-            <a:ext cx="9144000" cy="955576"/>
+            <a:off x="119336" y="457200"/>
+            <a:ext cx="11953328" cy="955576"/>
           </a:xfrm>
         </p:spPr>
         <p:txBody>
@@ -9052,9 +9599,10 @@
           </a:bodyPr>
           <a:lstStyle/>
           <a:p>
+            <a:pPr algn="ctr"/>
             <a:r>
               <a:rPr lang="pt-BR" sz="5400" dirty="0"/>
-              <a:t>Aplicações de ML</a:t>
+              <a:t>Aprendizado Supervisionado</a:t>
             </a:r>
           </a:p>
         </p:txBody>
@@ -9071,137 +9619,39 @@
         </p:nvSpPr>
         <p:spPr>
           <a:xfrm>
-            <a:off x="1343472" y="1628800"/>
-            <a:ext cx="9468544" cy="4752527"/>
+            <a:off x="119336" y="1628800"/>
+            <a:ext cx="11953328" cy="5040560"/>
           </a:xfrm>
         </p:spPr>
         <p:txBody>
           <a:bodyPr rtlCol="0">
-            <a:normAutofit fontScale="92500" lnSpcReduction="20000"/>
+            <a:normAutofit/>
           </a:bodyPr>
           <a:lstStyle/>
           <a:p>
-            <a:pPr marL="457200" indent="-457200" fontAlgn="base">
-              <a:buFont typeface="+mj-lt"/>
-              <a:buAutoNum type="arabicPeriod"/>
-            </a:pPr>
-            <a:r>
-              <a:rPr lang="pt-BR" dirty="0"/>
-              <a:t>Detecção de fraudes</a:t>
-            </a:r>
-          </a:p>
-          <a:p>
-            <a:pPr marL="457200" indent="-457200" fontAlgn="base">
-              <a:buFont typeface="+mj-lt"/>
-              <a:buAutoNum type="arabicPeriod"/>
-            </a:pPr>
-            <a:r>
-              <a:rPr lang="pt-BR" dirty="0"/>
-              <a:t>Liberação de crédito</a:t>
-            </a:r>
-          </a:p>
-          <a:p>
-            <a:pPr marL="457200" indent="-457200" fontAlgn="base">
-              <a:buFont typeface="+mj-lt"/>
-              <a:buAutoNum type="arabicPeriod"/>
-            </a:pPr>
-            <a:r>
-              <a:rPr lang="pt-BR" dirty="0"/>
-              <a:t>Resultados de pesquisa na Web</a:t>
-            </a:r>
-          </a:p>
-          <a:p>
-            <a:pPr marL="457200" indent="-457200" fontAlgn="base">
-              <a:buFont typeface="+mj-lt"/>
-              <a:buAutoNum type="arabicPeriod"/>
-            </a:pPr>
-            <a:r>
-              <a:rPr lang="pt-BR" dirty="0"/>
-              <a:t>Anúncios em tempo real em páginas da web e dispositivos móveis</a:t>
-            </a:r>
-          </a:p>
-          <a:p>
-            <a:pPr marL="457200" indent="-457200" fontAlgn="base">
-              <a:buFont typeface="+mj-lt"/>
-              <a:buAutoNum type="arabicPeriod"/>
-            </a:pPr>
-            <a:r>
-              <a:rPr lang="pt-BR" dirty="0"/>
-              <a:t>Análise de sentimento baseada em texto</a:t>
-            </a:r>
-          </a:p>
-          <a:p>
-            <a:pPr marL="457200" indent="-457200" fontAlgn="base">
-              <a:buFont typeface="+mj-lt"/>
-              <a:buAutoNum type="arabicPeriod"/>
-            </a:pPr>
-            <a:r>
-              <a:rPr lang="pt-BR" dirty="0"/>
-              <a:t>Pontuação de crédito e próximas melhores ofertas</a:t>
-            </a:r>
-          </a:p>
-          <a:p>
-            <a:pPr marL="457200" indent="-457200" fontAlgn="base">
-              <a:buFont typeface="+mj-lt"/>
-              <a:buAutoNum type="arabicPeriod"/>
-            </a:pPr>
-            <a:r>
-              <a:rPr lang="pt-BR" dirty="0"/>
-              <a:t>Previsão de falhas em equipamento</a:t>
-            </a:r>
-          </a:p>
-          <a:p>
-            <a:pPr marL="457200" indent="-457200" fontAlgn="base">
-              <a:buFont typeface="+mj-lt"/>
-              <a:buAutoNum type="arabicPeriod"/>
-            </a:pPr>
-            <a:r>
-              <a:rPr lang="pt-BR" dirty="0"/>
-              <a:t>Novos modelos de precificação</a:t>
-            </a:r>
-          </a:p>
-          <a:p>
-            <a:pPr marL="457200" indent="-457200" fontAlgn="base">
-              <a:buFont typeface="+mj-lt"/>
-              <a:buAutoNum type="arabicPeriod"/>
-            </a:pPr>
-            <a:r>
-              <a:rPr lang="pt-BR" dirty="0"/>
-              <a:t>Detecção de invasão na rede</a:t>
-            </a:r>
-          </a:p>
-          <a:p>
-            <a:pPr marL="457200" indent="-457200" fontAlgn="base">
-              <a:buFont typeface="+mj-lt"/>
-              <a:buAutoNum type="arabicPeriod"/>
-            </a:pPr>
-            <a:r>
-              <a:rPr lang="pt-BR" dirty="0"/>
-              <a:t>Reconhecimento de padrões e imagem</a:t>
-            </a:r>
-          </a:p>
-          <a:p>
-            <a:pPr marL="457200" indent="-457200" fontAlgn="base">
-              <a:buFont typeface="+mj-lt"/>
-              <a:buAutoNum type="arabicPeriod"/>
-            </a:pPr>
-            <a:r>
-              <a:rPr lang="pt-BR" dirty="0"/>
-              <a:t>Filtragem de spams no e-mail</a:t>
-            </a:r>
-          </a:p>
-          <a:p>
-            <a:pPr marL="0" indent="0">
-              <a:buNone/>
-            </a:pPr>
-            <a:endParaRPr lang="pt-BR" sz="3600" dirty="0"/>
+            <a:r>
+              <a:rPr lang="pt-BR" sz="3600" dirty="0"/>
+              <a:t>São métodos que já contem categorias definidas. </a:t>
+            </a:r>
+          </a:p>
+          <a:p>
+            <a:r>
+              <a:rPr lang="pt-BR" sz="3600" dirty="0"/>
+              <a:t>Esse tipo é muito utilizado em classificação</a:t>
+            </a:r>
+          </a:p>
+          <a:p>
+            <a:r>
+              <a:rPr lang="pt-BR" sz="3600" dirty="0"/>
+              <a:t>O algoritmo ajusta para um resultado assertivo</a:t>
+            </a:r>
           </a:p>
         </p:txBody>
       </p:sp>
     </p:spTree>
     <p:extLst>
       <p:ext uri="{BB962C8B-B14F-4D97-AF65-F5344CB8AC3E}">
-        <p14:creationId xmlns:p14="http://schemas.microsoft.com/office/powerpoint/2010/main" val="2619106125"/>
+        <p14:creationId xmlns:p14="http://schemas.microsoft.com/office/powerpoint/2010/main" val="3199329298"/>
       </p:ext>
     </p:extLst>
   </p:cSld>
@@ -9240,8 +9690,8 @@
         </p:nvSpPr>
         <p:spPr>
           <a:xfrm>
-            <a:off x="1199456" y="457200"/>
-            <a:ext cx="9468544" cy="955576"/>
+            <a:off x="0" y="457200"/>
+            <a:ext cx="12192000" cy="955576"/>
           </a:xfrm>
         </p:spPr>
         <p:txBody>
@@ -9250,61 +9700,47 @@
           </a:bodyPr>
           <a:lstStyle/>
           <a:p>
+            <a:pPr algn="ctr"/>
             <a:r>
               <a:rPr lang="pt-BR" sz="5400" dirty="0"/>
-              <a:t>Exemplos</a:t>
+              <a:t>Aprendizado não Supervisionado</a:t>
             </a:r>
           </a:p>
         </p:txBody>
       </p:sp>
       <p:sp>
         <p:nvSpPr>
-          <p:cNvPr id="4" name="CaixaDeTexto 3">
-            <a:extLst>
-              <a:ext uri="{FF2B5EF4-FFF2-40B4-BE49-F238E27FC236}">
-                <a16:creationId xmlns:a16="http://schemas.microsoft.com/office/drawing/2014/main" id="{30F17F6A-6965-4966-9C1D-C32AB0782BDD}"/>
-              </a:ext>
-            </a:extLst>
-          </p:cNvPr>
-          <p:cNvSpPr txBox="1"/>
-          <p:nvPr/>
+          <p:cNvPr id="3" name="Espaço Reservado para Conteúdo 2"/>
+          <p:cNvSpPr>
+            <a:spLocks noGrp="1"/>
+          </p:cNvSpPr>
+          <p:nvPr>
+            <p:ph sz="half" idx="1"/>
+          </p:nvPr>
         </p:nvSpPr>
         <p:spPr>
           <a:xfrm>
-            <a:off x="1271464" y="2348880"/>
-            <a:ext cx="9721080" cy="584775"/>
+            <a:off x="191344" y="1628800"/>
+            <a:ext cx="11809312" cy="5040560"/>
           </a:xfrm>
-          <a:prstGeom prst="rect">
-            <a:avLst/>
-          </a:prstGeom>
-          <a:noFill/>
         </p:spPr>
         <p:txBody>
-          <a:bodyPr wrap="square" rtlCol="0">
-            <a:spAutoFit/>
+          <a:bodyPr rtlCol="0">
+            <a:normAutofit/>
           </a:bodyPr>
           <a:lstStyle/>
           <a:p>
             <a:r>
-              <a:rPr lang="pt-BR" sz="3200" dirty="0" err="1">
-                <a:hlinkClick r:id="rId2"/>
-              </a:rPr>
-              <a:t>Vooo</a:t>
-            </a:r>
-            <a:r>
-              <a:rPr lang="pt-BR" sz="3200" dirty="0">
-                <a:hlinkClick r:id="rId2"/>
-              </a:rPr>
-              <a:t> – Insights</a:t>
-            </a:r>
-            <a:endParaRPr lang="pt-BR" sz="3200" dirty="0"/>
+              <a:rPr lang="pt-BR" sz="3600" dirty="0"/>
+              <a:t>Neste algoritmo não temos variável alvo ou variável de saída para serem estimadas. </a:t>
+            </a:r>
           </a:p>
         </p:txBody>
       </p:sp>
     </p:spTree>
     <p:extLst>
       <p:ext uri="{BB962C8B-B14F-4D97-AF65-F5344CB8AC3E}">
-        <p14:creationId xmlns:p14="http://schemas.microsoft.com/office/powerpoint/2010/main" val="718712202"/>
+        <p14:creationId xmlns:p14="http://schemas.microsoft.com/office/powerpoint/2010/main" val="1875616344"/>
       </p:ext>
     </p:extLst>
   </p:cSld>
@@ -9343,53 +9779,321 @@
         </p:nvSpPr>
         <p:spPr>
           <a:xfrm>
-            <a:off x="1271464" y="2132856"/>
-            <a:ext cx="9144000" cy="2664296"/>
+            <a:off x="0" y="332656"/>
+            <a:ext cx="12192000" cy="955576"/>
           </a:xfrm>
         </p:spPr>
         <p:txBody>
           <a:bodyPr rtlCol="0" anchor="ctr">
-            <a:normAutofit fontScale="90000"/>
+            <a:normAutofit/>
           </a:bodyPr>
           <a:lstStyle/>
           <a:p>
             <a:pPr algn="ctr"/>
             <a:r>
-              <a:rPr lang="pt-BR" sz="6700" dirty="0"/>
-              <a:t>Luís Vitório</a:t>
-            </a:r>
-            <a:br>
               <a:rPr lang="pt-BR" sz="5400" dirty="0"/>
-            </a:br>
-            <a:r>
-              <a:rPr lang="pt-BR" sz="3600" dirty="0">
-                <a:hlinkClick r:id="rId2"/>
-              </a:rPr>
-              <a:t>https://www.linkedin.com/in/vitorioluis</a:t>
-            </a:r>
-            <a:br>
+              <a:t>Aprendizado por reforço</a:t>
+            </a:r>
+          </a:p>
+        </p:txBody>
+      </p:sp>
+      <p:sp>
+        <p:nvSpPr>
+          <p:cNvPr id="3" name="Espaço Reservado para Conteúdo 2"/>
+          <p:cNvSpPr>
+            <a:spLocks noGrp="1"/>
+          </p:cNvSpPr>
+          <p:nvPr>
+            <p:ph sz="half" idx="1"/>
+          </p:nvPr>
+        </p:nvSpPr>
+        <p:spPr>
+          <a:xfrm>
+            <a:off x="119336" y="1628800"/>
+            <a:ext cx="11953328" cy="4968552"/>
+          </a:xfrm>
+        </p:spPr>
+        <p:txBody>
+          <a:bodyPr rtlCol="0">
+            <a:normAutofit/>
+          </a:bodyPr>
+          <a:lstStyle/>
+          <a:p>
+            <a:r>
               <a:rPr lang="pt-BR" sz="3600" dirty="0"/>
-            </a:br>
-            <a:br>
+              <a:t>Este algoritmo é utilizado em situações especificas. A maquina é treinada por tentativa e erro.</a:t>
+            </a:r>
+          </a:p>
+          <a:p>
+            <a:r>
               <a:rPr lang="pt-BR" sz="3600" dirty="0"/>
-            </a:br>
-            <a:r>
-              <a:rPr lang="pt-BR" sz="3600" dirty="0">
-                <a:hlinkClick r:id="rId3"/>
-              </a:rPr>
-              <a:t>https://github.com/vitorioluis</a:t>
-            </a:r>
-            <a:br>
-              <a:rPr lang="pt-BR" sz="3600" dirty="0"/>
-            </a:br>
-            <a:endParaRPr lang="pt-BR" sz="5400" dirty="0"/>
+              <a:t> A máquina aprende a partir das experiências passadas e tenta capturar o melhor conhecimento possível para tomar decisões de negócios precisas. </a:t>
+            </a:r>
           </a:p>
         </p:txBody>
       </p:sp>
     </p:spTree>
     <p:extLst>
       <p:ext uri="{BB962C8B-B14F-4D97-AF65-F5344CB8AC3E}">
-        <p14:creationId xmlns:p14="http://schemas.microsoft.com/office/powerpoint/2010/main" val="4221189183"/>
+        <p14:creationId xmlns:p14="http://schemas.microsoft.com/office/powerpoint/2010/main" val="829523924"/>
+      </p:ext>
+    </p:extLst>
+  </p:cSld>
+  <p:clrMapOvr>
+    <a:masterClrMapping/>
+  </p:clrMapOvr>
+</p:sld>
+</file>
+
+<file path=ppt/slides/slide18.xml><?xml version="1.0" encoding="utf-8"?>
+<p:sld xmlns:a="http://schemas.openxmlformats.org/drawingml/2006/main" xmlns:r="http://schemas.openxmlformats.org/officeDocument/2006/relationships" xmlns:p="http://schemas.openxmlformats.org/presentationml/2006/main">
+  <p:cSld>
+    <p:spTree>
+      <p:nvGrpSpPr>
+        <p:cNvPr id="1" name=""/>
+        <p:cNvGrpSpPr/>
+        <p:nvPr/>
+      </p:nvGrpSpPr>
+      <p:grpSpPr>
+        <a:xfrm>
+          <a:off x="0" y="0"/>
+          <a:ext cx="0" cy="0"/>
+          <a:chOff x="0" y="0"/>
+          <a:chExt cx="0" cy="0"/>
+        </a:xfrm>
+      </p:grpSpPr>
+      <p:sp>
+        <p:nvSpPr>
+          <p:cNvPr id="2" name="Título 1"/>
+          <p:cNvSpPr>
+            <a:spLocks noGrp="1"/>
+          </p:cNvSpPr>
+          <p:nvPr>
+            <p:ph type="title"/>
+          </p:nvPr>
+        </p:nvSpPr>
+        <p:spPr>
+          <a:xfrm>
+            <a:off x="119336" y="457200"/>
+            <a:ext cx="11881320" cy="955576"/>
+          </a:xfrm>
+        </p:spPr>
+        <p:txBody>
+          <a:bodyPr rtlCol="0" anchor="ctr">
+            <a:normAutofit/>
+          </a:bodyPr>
+          <a:lstStyle/>
+          <a:p>
+            <a:r>
+              <a:rPr lang="pt-BR" sz="5400" dirty="0"/>
+              <a:t>Aplicações de Machine Learning</a:t>
+            </a:r>
+          </a:p>
+        </p:txBody>
+      </p:sp>
+      <p:sp>
+        <p:nvSpPr>
+          <p:cNvPr id="3" name="Espaço Reservado para Conteúdo 2"/>
+          <p:cNvSpPr>
+            <a:spLocks noGrp="1"/>
+          </p:cNvSpPr>
+          <p:nvPr>
+            <p:ph sz="half" idx="1"/>
+          </p:nvPr>
+        </p:nvSpPr>
+        <p:spPr>
+          <a:xfrm>
+            <a:off x="119336" y="1628800"/>
+            <a:ext cx="11881320" cy="5040560"/>
+          </a:xfrm>
+        </p:spPr>
+        <p:txBody>
+          <a:bodyPr numCol="2" rtlCol="0">
+            <a:normAutofit/>
+          </a:bodyPr>
+          <a:lstStyle/>
+          <a:p>
+            <a:pPr marL="457200" indent="-457200" fontAlgn="base">
+              <a:buFont typeface="+mj-lt"/>
+              <a:buAutoNum type="arabicPeriod"/>
+            </a:pPr>
+            <a:r>
+              <a:rPr lang="pt-BR" sz="2600" dirty="0"/>
+              <a:t>Detecção de fraudes</a:t>
+            </a:r>
+          </a:p>
+          <a:p>
+            <a:pPr marL="457200" indent="-457200" fontAlgn="base">
+              <a:buFont typeface="+mj-lt"/>
+              <a:buAutoNum type="arabicPeriod"/>
+            </a:pPr>
+            <a:r>
+              <a:rPr lang="pt-BR" sz="2600" dirty="0"/>
+              <a:t>Liberação de crédito</a:t>
+            </a:r>
+          </a:p>
+          <a:p>
+            <a:pPr marL="457200" indent="-457200" fontAlgn="base">
+              <a:buFont typeface="+mj-lt"/>
+              <a:buAutoNum type="arabicPeriod"/>
+            </a:pPr>
+            <a:r>
+              <a:rPr lang="pt-BR" sz="2600" dirty="0"/>
+              <a:t>Resultados de pesquisa na Web</a:t>
+            </a:r>
+          </a:p>
+          <a:p>
+            <a:pPr marL="457200" indent="-457200" fontAlgn="base">
+              <a:buFont typeface="+mj-lt"/>
+              <a:buAutoNum type="arabicPeriod"/>
+            </a:pPr>
+            <a:r>
+              <a:rPr lang="pt-BR" sz="2600" dirty="0"/>
+              <a:t>Anúncios em tempo real em páginas da web e dispositivos móveis</a:t>
+            </a:r>
+          </a:p>
+          <a:p>
+            <a:pPr marL="457200" indent="-457200" fontAlgn="base">
+              <a:buFont typeface="+mj-lt"/>
+              <a:buAutoNum type="arabicPeriod"/>
+            </a:pPr>
+            <a:r>
+              <a:rPr lang="pt-BR" sz="2600" dirty="0"/>
+              <a:t>Análise de sentimento baseada em texto</a:t>
+            </a:r>
+          </a:p>
+          <a:p>
+            <a:pPr marL="457200" indent="-457200" fontAlgn="base">
+              <a:buFont typeface="+mj-lt"/>
+              <a:buAutoNum type="arabicPeriod"/>
+            </a:pPr>
+            <a:r>
+              <a:rPr lang="pt-BR" sz="2600" dirty="0"/>
+              <a:t>Pontuação de crédito e próximas melhores ofertas</a:t>
+            </a:r>
+          </a:p>
+          <a:p>
+            <a:pPr marL="457200" indent="-457200" fontAlgn="base">
+              <a:buFont typeface="+mj-lt"/>
+              <a:buAutoNum type="arabicPeriod"/>
+            </a:pPr>
+            <a:r>
+              <a:rPr lang="pt-BR" sz="2600" dirty="0"/>
+              <a:t>Previsão de falhas em equipamento</a:t>
+            </a:r>
+          </a:p>
+          <a:p>
+            <a:pPr marL="457200" indent="-457200" fontAlgn="base">
+              <a:buFont typeface="+mj-lt"/>
+              <a:buAutoNum type="arabicPeriod"/>
+            </a:pPr>
+            <a:r>
+              <a:rPr lang="pt-BR" sz="2600" dirty="0"/>
+              <a:t>Novos modelos de precificação</a:t>
+            </a:r>
+          </a:p>
+          <a:p>
+            <a:pPr marL="457200" indent="-457200" fontAlgn="base">
+              <a:buFont typeface="+mj-lt"/>
+              <a:buAutoNum type="arabicPeriod"/>
+            </a:pPr>
+            <a:r>
+              <a:rPr lang="pt-BR" sz="2600" dirty="0"/>
+              <a:t>Detecção de invasão na rede</a:t>
+            </a:r>
+          </a:p>
+          <a:p>
+            <a:pPr marL="457200" indent="-457200" fontAlgn="base">
+              <a:buFont typeface="+mj-lt"/>
+              <a:buAutoNum type="arabicPeriod"/>
+            </a:pPr>
+            <a:r>
+              <a:rPr lang="pt-BR" sz="2600" dirty="0"/>
+              <a:t>Reconhecimento de padrões e imagem</a:t>
+            </a:r>
+          </a:p>
+          <a:p>
+            <a:pPr marL="457200" indent="-457200" fontAlgn="base">
+              <a:buFont typeface="+mj-lt"/>
+              <a:buAutoNum type="arabicPeriod"/>
+            </a:pPr>
+            <a:r>
+              <a:rPr lang="pt-BR" sz="2600" dirty="0"/>
+              <a:t>Filtragem de spams no e-mail</a:t>
+            </a:r>
+          </a:p>
+          <a:p>
+            <a:pPr marL="0" indent="0">
+              <a:buNone/>
+            </a:pPr>
+            <a:endParaRPr lang="pt-BR" sz="3600" dirty="0"/>
+          </a:p>
+        </p:txBody>
+      </p:sp>
+    </p:spTree>
+    <p:extLst>
+      <p:ext uri="{BB962C8B-B14F-4D97-AF65-F5344CB8AC3E}">
+        <p14:creationId xmlns:p14="http://schemas.microsoft.com/office/powerpoint/2010/main" val="2619106125"/>
+      </p:ext>
+    </p:extLst>
+  </p:cSld>
+  <p:clrMapOvr>
+    <a:masterClrMapping/>
+  </p:clrMapOvr>
+</p:sld>
+</file>
+
+<file path=ppt/slides/slide19.xml><?xml version="1.0" encoding="utf-8"?>
+<p:sld xmlns:a="http://schemas.openxmlformats.org/drawingml/2006/main" xmlns:r="http://schemas.openxmlformats.org/officeDocument/2006/relationships" xmlns:p="http://schemas.openxmlformats.org/presentationml/2006/main">
+  <p:cSld>
+    <p:spTree>
+      <p:nvGrpSpPr>
+        <p:cNvPr id="1" name=""/>
+        <p:cNvGrpSpPr/>
+        <p:nvPr/>
+      </p:nvGrpSpPr>
+      <p:grpSpPr>
+        <a:xfrm>
+          <a:off x="0" y="0"/>
+          <a:ext cx="0" cy="0"/>
+          <a:chOff x="0" y="0"/>
+          <a:chExt cx="0" cy="0"/>
+        </a:xfrm>
+      </p:grpSpPr>
+      <p:sp>
+        <p:nvSpPr>
+          <p:cNvPr id="2" name="Título 1"/>
+          <p:cNvSpPr>
+            <a:spLocks noGrp="1"/>
+          </p:cNvSpPr>
+          <p:nvPr>
+            <p:ph type="title"/>
+          </p:nvPr>
+        </p:nvSpPr>
+        <p:spPr>
+          <a:xfrm>
+            <a:off x="0" y="0"/>
+            <a:ext cx="12192000" cy="6858000"/>
+          </a:xfrm>
+        </p:spPr>
+        <p:txBody>
+          <a:bodyPr rtlCol="0" anchor="ctr">
+            <a:normAutofit/>
+          </a:bodyPr>
+          <a:lstStyle/>
+          <a:p>
+            <a:pPr algn="ctr"/>
+            <a:r>
+              <a:rPr lang="pt-BR" sz="5400" dirty="0"/>
+              <a:t>Exemplos</a:t>
+            </a:r>
+          </a:p>
+        </p:txBody>
+      </p:sp>
+    </p:spTree>
+    <p:extLst>
+      <p:ext uri="{BB962C8B-B14F-4D97-AF65-F5344CB8AC3E}">
+        <p14:creationId xmlns:p14="http://schemas.microsoft.com/office/powerpoint/2010/main" val="718712202"/>
       </p:ext>
     </p:extLst>
   </p:cSld>
@@ -9426,14 +10130,19 @@
             <p:ph type="title"/>
           </p:nvPr>
         </p:nvSpPr>
-        <p:spPr/>
+        <p:spPr>
+          <a:xfrm>
+            <a:off x="551384" y="457200"/>
+            <a:ext cx="4680520" cy="1891680"/>
+          </a:xfrm>
+        </p:spPr>
         <p:txBody>
           <a:bodyPr rtlCol="0" anchor="ctr">
-            <a:normAutofit/>
+            <a:normAutofit fontScale="90000"/>
           </a:bodyPr>
           <a:lstStyle/>
           <a:p>
-            <a:pPr rtl="0"/>
+            <a:pPr algn="ctr" rtl="0"/>
             <a:r>
               <a:rPr lang="pt-BR" sz="5400" dirty="0"/>
               <a:t>O que é Inteligência?</a:t>
@@ -9451,7 +10160,12 @@
             <p:ph idx="1"/>
           </p:nvPr>
         </p:nvSpPr>
-        <p:spPr/>
+        <p:spPr>
+          <a:xfrm>
+            <a:off x="479376" y="2636912"/>
+            <a:ext cx="4536504" cy="3907160"/>
+          </a:xfrm>
+        </p:spPr>
         <p:txBody>
           <a:bodyPr rtlCol="0">
             <a:normAutofit/>
@@ -9468,10 +10182,142 @@
           </a:p>
         </p:txBody>
       </p:sp>
+      <p:pic>
+        <p:nvPicPr>
+          <p:cNvPr id="4098" name="Picture 2" descr="Resultado de imagem para inteligencia">
+            <a:extLst>
+              <a:ext uri="{FF2B5EF4-FFF2-40B4-BE49-F238E27FC236}">
+                <a16:creationId xmlns:a16="http://schemas.microsoft.com/office/drawing/2014/main" id="{3092EF01-A12E-4BD5-9C0B-1D678D407049}"/>
+              </a:ext>
+            </a:extLst>
+          </p:cNvPr>
+          <p:cNvPicPr>
+            <a:picLocks noChangeAspect="1" noChangeArrowheads="1"/>
+          </p:cNvPicPr>
+          <p:nvPr/>
+        </p:nvPicPr>
+        <p:blipFill>
+          <a:blip r:embed="rId2">
+            <a:extLst>
+              <a:ext uri="{28A0092B-C50C-407E-A947-70E740481C1C}">
+                <a14:useLocalDpi xmlns:a14="http://schemas.microsoft.com/office/drawing/2010/main" val="0"/>
+              </a:ext>
+            </a:extLst>
+          </a:blip>
+          <a:srcRect/>
+          <a:stretch>
+            <a:fillRect/>
+          </a:stretch>
+        </p:blipFill>
+        <p:spPr bwMode="auto">
+          <a:xfrm>
+            <a:off x="5375919" y="11602"/>
+            <a:ext cx="6885745" cy="6846398"/>
+          </a:xfrm>
+          <a:prstGeom prst="rect">
+            <a:avLst/>
+          </a:prstGeom>
+          <a:noFill/>
+          <a:extLst>
+            <a:ext uri="{909E8E84-426E-40DD-AFC4-6F175D3DCCD1}">
+              <a14:hiddenFill xmlns:a14="http://schemas.microsoft.com/office/drawing/2010/main">
+                <a:solidFill>
+                  <a:srgbClr val="FFFFFF"/>
+                </a:solidFill>
+              </a14:hiddenFill>
+            </a:ext>
+          </a:extLst>
+        </p:spPr>
+      </p:pic>
     </p:spTree>
     <p:extLst>
       <p:ext uri="{BB962C8B-B14F-4D97-AF65-F5344CB8AC3E}">
         <p14:creationId xmlns:p14="http://schemas.microsoft.com/office/powerpoint/2010/main" val="867899690"/>
+      </p:ext>
+    </p:extLst>
+  </p:cSld>
+  <p:clrMapOvr>
+    <a:masterClrMapping/>
+  </p:clrMapOvr>
+</p:sld>
+</file>
+
+<file path=ppt/slides/slide20.xml><?xml version="1.0" encoding="utf-8"?>
+<p:sld xmlns:a="http://schemas.openxmlformats.org/drawingml/2006/main" xmlns:r="http://schemas.openxmlformats.org/officeDocument/2006/relationships" xmlns:p="http://schemas.openxmlformats.org/presentationml/2006/main">
+  <p:cSld>
+    <p:spTree>
+      <p:nvGrpSpPr>
+        <p:cNvPr id="1" name=""/>
+        <p:cNvGrpSpPr/>
+        <p:nvPr/>
+      </p:nvGrpSpPr>
+      <p:grpSpPr>
+        <a:xfrm>
+          <a:off x="0" y="0"/>
+          <a:ext cx="0" cy="0"/>
+          <a:chOff x="0" y="0"/>
+          <a:chExt cx="0" cy="0"/>
+        </a:xfrm>
+      </p:grpSpPr>
+      <p:sp>
+        <p:nvSpPr>
+          <p:cNvPr id="2" name="Título 1"/>
+          <p:cNvSpPr>
+            <a:spLocks noGrp="1"/>
+          </p:cNvSpPr>
+          <p:nvPr>
+            <p:ph type="title"/>
+          </p:nvPr>
+        </p:nvSpPr>
+        <p:spPr>
+          <a:xfrm>
+            <a:off x="1271464" y="1844824"/>
+            <a:ext cx="9144000" cy="2952328"/>
+          </a:xfrm>
+        </p:spPr>
+        <p:txBody>
+          <a:bodyPr rtlCol="0" anchor="ctr">
+            <a:normAutofit fontScale="90000"/>
+          </a:bodyPr>
+          <a:lstStyle/>
+          <a:p>
+            <a:pPr algn="ctr"/>
+            <a:r>
+              <a:rPr lang="pt-BR" sz="6700" dirty="0"/>
+              <a:t>Luís Vitório</a:t>
+            </a:r>
+            <a:br>
+              <a:rPr lang="pt-BR" sz="5400" dirty="0"/>
+            </a:br>
+            <a:r>
+              <a:rPr lang="pt-BR" sz="3600" dirty="0">
+                <a:hlinkClick r:id="rId2"/>
+              </a:rPr>
+              <a:t>https://www.linkedin.com/in/vitorioluis</a:t>
+            </a:r>
+            <a:br>
+              <a:rPr lang="pt-BR" sz="3600" dirty="0"/>
+            </a:br>
+            <a:br>
+              <a:rPr lang="pt-BR" sz="3600" dirty="0"/>
+            </a:br>
+            <a:r>
+              <a:rPr lang="pt-BR" sz="3600" dirty="0">
+                <a:hlinkClick r:id="rId3"/>
+              </a:rPr>
+              <a:t>https://github.com/vitorioluis</a:t>
+            </a:r>
+            <a:br>
+              <a:rPr lang="pt-BR" sz="3600" dirty="0"/>
+            </a:br>
+            <a:endParaRPr lang="pt-BR" sz="5400" dirty="0"/>
+          </a:p>
+        </p:txBody>
+      </p:sp>
+    </p:spTree>
+    <p:extLst>
+      <p:ext uri="{BB962C8B-B14F-4D97-AF65-F5344CB8AC3E}">
+        <p14:creationId xmlns:p14="http://schemas.microsoft.com/office/powerpoint/2010/main" val="4221189183"/>
       </p:ext>
     </p:extLst>
   </p:cSld>
@@ -9626,7 +10472,12 @@
             <p:ph idx="1"/>
           </p:nvPr>
         </p:nvSpPr>
-        <p:spPr/>
+        <p:spPr>
+          <a:xfrm>
+            <a:off x="1524000" y="1828800"/>
+            <a:ext cx="3275856" cy="4267200"/>
+          </a:xfrm>
+        </p:spPr>
         <p:txBody>
           <a:bodyPr rtlCol="0">
             <a:normAutofit/>
@@ -9637,16 +10488,63 @@
               <a:buNone/>
             </a:pPr>
             <a:r>
-              <a:rPr lang="pt-BR" sz="3600" dirty="0"/>
+              <a:rPr lang="pt-BR" sz="2400" dirty="0"/>
               <a:t>É um grande conjunto de dados gerado e armazenado que aplicativos convencionais não consegue lidar.  Este grande volume de dados deu a origem um nova área de atuação a Data Science.</a:t>
             </a:r>
           </a:p>
         </p:txBody>
       </p:sp>
+      <p:pic>
+        <p:nvPicPr>
+          <p:cNvPr id="5122" name="Picture 2" descr="Imagem relacionada">
+            <a:extLst>
+              <a:ext uri="{FF2B5EF4-FFF2-40B4-BE49-F238E27FC236}">
+                <a16:creationId xmlns:a16="http://schemas.microsoft.com/office/drawing/2014/main" id="{56BC771C-17A6-43AC-8F80-01C99EFD1D35}"/>
+              </a:ext>
+            </a:extLst>
+          </p:cNvPr>
+          <p:cNvPicPr>
+            <a:picLocks noChangeAspect="1" noChangeArrowheads="1"/>
+          </p:cNvPicPr>
+          <p:nvPr/>
+        </p:nvPicPr>
+        <p:blipFill>
+          <a:blip r:embed="rId2">
+            <a:extLst>
+              <a:ext uri="{28A0092B-C50C-407E-A947-70E740481C1C}">
+                <a14:useLocalDpi xmlns:a14="http://schemas.microsoft.com/office/drawing/2010/main" val="0"/>
+              </a:ext>
+            </a:extLst>
+          </a:blip>
+          <a:srcRect/>
+          <a:stretch>
+            <a:fillRect/>
+          </a:stretch>
+        </p:blipFill>
+        <p:spPr bwMode="auto">
+          <a:xfrm>
+            <a:off x="5879976" y="0"/>
+            <a:ext cx="6322680" cy="6858000"/>
+          </a:xfrm>
+          <a:prstGeom prst="rect">
+            <a:avLst/>
+          </a:prstGeom>
+          <a:noFill/>
+          <a:extLst>
+            <a:ext uri="{909E8E84-426E-40DD-AFC4-6F175D3DCCD1}">
+              <a14:hiddenFill xmlns:a14="http://schemas.microsoft.com/office/drawing/2010/main">
+                <a:solidFill>
+                  <a:srgbClr val="FFFFFF"/>
+                </a:solidFill>
+              </a14:hiddenFill>
+            </a:ext>
+          </a:extLst>
+        </p:spPr>
+      </p:pic>
     </p:spTree>
     <p:extLst>
       <p:ext uri="{BB962C8B-B14F-4D97-AF65-F5344CB8AC3E}">
-        <p14:creationId xmlns:p14="http://schemas.microsoft.com/office/powerpoint/2010/main" val="3042826300"/>
+        <p14:creationId xmlns:p14="http://schemas.microsoft.com/office/powerpoint/2010/main" val="1635863897"/>
       </p:ext>
     </p:extLst>
   </p:cSld>
@@ -9708,7 +10606,12 @@
             <p:ph idx="1"/>
           </p:nvPr>
         </p:nvSpPr>
-        <p:spPr/>
+        <p:spPr>
+          <a:xfrm>
+            <a:off x="1524000" y="1828800"/>
+            <a:ext cx="4572000" cy="4267200"/>
+          </a:xfrm>
+        </p:spPr>
         <p:txBody>
           <a:bodyPr rtlCol="0">
             <a:normAutofit/>
@@ -9719,12 +10622,59 @@
               <a:buNone/>
             </a:pPr>
             <a:r>
-              <a:rPr lang="pt-BR" sz="3600" dirty="0"/>
+              <a:rPr lang="pt-BR" sz="2400" dirty="0"/>
               <a:t>Data Science ou Ciência de dados é uma área que estuda negócios, ciência da computação e Matemática/Estatística para processar com Velocidade esse grande Volume e Variedade de dados transformando isso em informação para auxiliar a tomada de decisão das organizações.</a:t>
             </a:r>
           </a:p>
         </p:txBody>
       </p:sp>
+      <p:pic>
+        <p:nvPicPr>
+          <p:cNvPr id="3074" name="Picture 2" descr="Resultado de imagem para o que Ã© ciencia de dados">
+            <a:extLst>
+              <a:ext uri="{FF2B5EF4-FFF2-40B4-BE49-F238E27FC236}">
+                <a16:creationId xmlns:a16="http://schemas.microsoft.com/office/drawing/2014/main" id="{81062B86-1C06-4076-9355-F71327C93BDF}"/>
+              </a:ext>
+            </a:extLst>
+          </p:cNvPr>
+          <p:cNvPicPr>
+            <a:picLocks noChangeAspect="1" noChangeArrowheads="1"/>
+          </p:cNvPicPr>
+          <p:nvPr/>
+        </p:nvPicPr>
+        <p:blipFill>
+          <a:blip r:embed="rId2">
+            <a:extLst>
+              <a:ext uri="{28A0092B-C50C-407E-A947-70E740481C1C}">
+                <a14:useLocalDpi xmlns:a14="http://schemas.microsoft.com/office/drawing/2010/main" val="0"/>
+              </a:ext>
+            </a:extLst>
+          </a:blip>
+          <a:srcRect/>
+          <a:stretch>
+            <a:fillRect/>
+          </a:stretch>
+        </p:blipFill>
+        <p:spPr bwMode="auto">
+          <a:xfrm>
+            <a:off x="5999312" y="476672"/>
+            <a:ext cx="6192688" cy="5952195"/>
+          </a:xfrm>
+          <a:prstGeom prst="rect">
+            <a:avLst/>
+          </a:prstGeom>
+          <a:noFill/>
+          <a:extLst>
+            <a:ext uri="{909E8E84-426E-40DD-AFC4-6F175D3DCCD1}">
+              <a14:hiddenFill xmlns:a14="http://schemas.microsoft.com/office/drawing/2010/main">
+                <a:solidFill>
+                  <a:srgbClr val="FFFFFF"/>
+                </a:solidFill>
+              </a14:hiddenFill>
+            </a:ext>
+          </a:extLst>
+        </p:spPr>
+      </p:pic>
     </p:spTree>
     <p:extLst>
       <p:ext uri="{BB962C8B-B14F-4D97-AF65-F5344CB8AC3E}">
@@ -9888,17 +10838,22 @@
             <p:ph type="title"/>
           </p:nvPr>
         </p:nvSpPr>
-        <p:spPr/>
+        <p:spPr>
+          <a:xfrm>
+            <a:off x="0" y="0"/>
+            <a:ext cx="12192000" cy="1143000"/>
+          </a:xfrm>
+        </p:spPr>
         <p:txBody>
           <a:bodyPr rtlCol="0" anchor="ctr">
             <a:normAutofit/>
           </a:bodyPr>
           <a:lstStyle/>
           <a:p>
-            <a:pPr rtl="0"/>
+            <a:pPr algn="ctr" rtl="0"/>
             <a:r>
               <a:rPr lang="pt-BR" sz="5400" dirty="0"/>
-              <a:t>Data Science</a:t>
+              <a:t>Fluxo projeto Data Science</a:t>
             </a:r>
           </a:p>
         </p:txBody>
@@ -9925,8 +10880,8 @@
         </p:blipFill>
         <p:spPr>
           <a:xfrm>
-            <a:off x="1631504" y="1572888"/>
-            <a:ext cx="8542015" cy="4743354"/>
+            <a:off x="0" y="1268761"/>
+            <a:ext cx="12192000" cy="5589240"/>
           </a:xfrm>
           <a:prstGeom prst="rect">
             <a:avLst/>
@@ -9973,14 +10928,19 @@
             <p:ph type="title"/>
           </p:nvPr>
         </p:nvSpPr>
-        <p:spPr/>
+        <p:spPr>
+          <a:xfrm>
+            <a:off x="0" y="0"/>
+            <a:ext cx="6168008" cy="2276872"/>
+          </a:xfrm>
+        </p:spPr>
         <p:txBody>
           <a:bodyPr rtlCol="0" anchor="ctr">
             <a:normAutofit/>
           </a:bodyPr>
           <a:lstStyle/>
           <a:p>
-            <a:pPr rtl="0"/>
+            <a:pPr algn="ctr" rtl="0"/>
             <a:r>
               <a:rPr lang="pt-BR" sz="5400" dirty="0"/>
               <a:t>Inteligência Artificial</a:t>
@@ -9998,27 +10958,80 @@
             <p:ph idx="1"/>
           </p:nvPr>
         </p:nvSpPr>
-        <p:spPr/>
+        <p:spPr>
+          <a:xfrm>
+            <a:off x="0" y="3284984"/>
+            <a:ext cx="6096000" cy="1816224"/>
+          </a:xfrm>
+        </p:spPr>
         <p:txBody>
           <a:bodyPr rtlCol="0">
             <a:normAutofit/>
           </a:bodyPr>
           <a:lstStyle/>
           <a:p>
+            <a:r>
+              <a:rPr lang="pt-BR" sz="3600" dirty="0">
+                <a:latin typeface="Candara (Corpo)"/>
+              </a:rPr>
+              <a:t>São agentes computacionais que simula inteligência humana.</a:t>
+            </a:r>
+          </a:p>
+          <a:p>
             <a:pPr marL="0" indent="0">
               <a:buNone/>
             </a:pPr>
-            <a:r>
-              <a:rPr lang="pt-BR" sz="3600" dirty="0" err="1"/>
-              <a:t>Iinteligência</a:t>
-            </a:r>
-            <a:r>
-              <a:rPr lang="pt-BR" sz="3600" dirty="0"/>
-              <a:t> Artificial(I.A) são algoritmos matemáticos executados por computadores programados por humanos para resolver problemas humanos. Em alguns casos esses  algoritmos até simula neurônios humanos.  </a:t>
-            </a:r>
+            <a:endParaRPr lang="pt-BR" sz="3600" dirty="0"/>
           </a:p>
         </p:txBody>
       </p:sp>
+      <p:pic>
+        <p:nvPicPr>
+          <p:cNvPr id="6148" name="Picture 4" descr="Resultado de imagem para robotics futuristic">
+            <a:extLst>
+              <a:ext uri="{FF2B5EF4-FFF2-40B4-BE49-F238E27FC236}">
+                <a16:creationId xmlns:a16="http://schemas.microsoft.com/office/drawing/2014/main" id="{F4AAD9A2-847E-4F02-A2D7-41D6CA3BD9D3}"/>
+              </a:ext>
+            </a:extLst>
+          </p:cNvPr>
+          <p:cNvPicPr>
+            <a:picLocks noChangeAspect="1" noChangeArrowheads="1"/>
+          </p:cNvPicPr>
+          <p:nvPr/>
+        </p:nvPicPr>
+        <p:blipFill>
+          <a:blip r:embed="rId2">
+            <a:extLst>
+              <a:ext uri="{28A0092B-C50C-407E-A947-70E740481C1C}">
+                <a14:useLocalDpi xmlns:a14="http://schemas.microsoft.com/office/drawing/2010/main" val="0"/>
+              </a:ext>
+            </a:extLst>
+          </a:blip>
+          <a:srcRect/>
+          <a:stretch>
+            <a:fillRect/>
+          </a:stretch>
+        </p:blipFill>
+        <p:spPr bwMode="auto">
+          <a:xfrm>
+            <a:off x="6168008" y="0"/>
+            <a:ext cx="6023992" cy="6858000"/>
+          </a:xfrm>
+          <a:prstGeom prst="rect">
+            <a:avLst/>
+          </a:prstGeom>
+          <a:noFill/>
+          <a:extLst>
+            <a:ext uri="{909E8E84-426E-40DD-AFC4-6F175D3DCCD1}">
+              <a14:hiddenFill xmlns:a14="http://schemas.microsoft.com/office/drawing/2010/main">
+                <a:solidFill>
+                  <a:srgbClr val="FFFFFF"/>
+                </a:solidFill>
+              </a14:hiddenFill>
+            </a:ext>
+          </a:extLst>
+        </p:spPr>
+      </p:pic>
     </p:spTree>
     <p:extLst>
       <p:ext uri="{BB962C8B-B14F-4D97-AF65-F5344CB8AC3E}">
@@ -10051,7 +11064,7 @@
       </p:grpSpPr>
       <p:sp>
         <p:nvSpPr>
-          <p:cNvPr id="13" name="Título 12"/>
+          <p:cNvPr id="2" name="Título 1"/>
           <p:cNvSpPr>
             <a:spLocks noGrp="1"/>
           </p:cNvSpPr>
@@ -10059,24 +11072,82 @@
             <p:ph type="title"/>
           </p:nvPr>
         </p:nvSpPr>
-        <p:spPr/>
+        <p:spPr>
+          <a:xfrm>
+            <a:off x="0" y="0"/>
+            <a:ext cx="5735960" cy="1844824"/>
+          </a:xfrm>
+        </p:spPr>
         <p:txBody>
           <a:bodyPr rtlCol="0" anchor="ctr">
             <a:normAutofit/>
           </a:bodyPr>
           <a:lstStyle/>
           <a:p>
-            <a:pPr rtl="0"/>
+            <a:pPr algn="ctr"/>
             <a:r>
               <a:rPr lang="pt-BR" sz="5400" dirty="0"/>
-              <a:t>Inteligência Artificial</a:t>
+              <a:t>Machine Learning</a:t>
             </a:r>
           </a:p>
         </p:txBody>
       </p:sp>
+      <p:pic>
+        <p:nvPicPr>
+          <p:cNvPr id="1030" name="Picture 6" descr="Imagem relacionada">
+            <a:extLst>
+              <a:ext uri="{FF2B5EF4-FFF2-40B4-BE49-F238E27FC236}">
+                <a16:creationId xmlns:a16="http://schemas.microsoft.com/office/drawing/2014/main" id="{EE01E305-1263-4B17-9A52-479E07EBFC89}"/>
+              </a:ext>
+            </a:extLst>
+          </p:cNvPr>
+          <p:cNvPicPr>
+            <a:picLocks noChangeAspect="1" noChangeArrowheads="1"/>
+          </p:cNvPicPr>
+          <p:nvPr/>
+        </p:nvPicPr>
+        <p:blipFill>
+          <a:blip r:embed="rId2">
+            <a:extLst>
+              <a:ext uri="{28A0092B-C50C-407E-A947-70E740481C1C}">
+                <a14:useLocalDpi xmlns:a14="http://schemas.microsoft.com/office/drawing/2010/main" val="0"/>
+              </a:ext>
+            </a:extLst>
+          </a:blip>
+          <a:srcRect/>
+          <a:stretch>
+            <a:fillRect/>
+          </a:stretch>
+        </p:blipFill>
+        <p:spPr bwMode="auto">
+          <a:xfrm>
+            <a:off x="6096000" y="0"/>
+            <a:ext cx="6096000" cy="6858000"/>
+          </a:xfrm>
+          <a:prstGeom prst="rect">
+            <a:avLst/>
+          </a:prstGeom>
+          <a:noFill/>
+          <a:extLst>
+            <a:ext uri="{909E8E84-426E-40DD-AFC4-6F175D3DCCD1}">
+              <a14:hiddenFill xmlns:a14="http://schemas.microsoft.com/office/drawing/2010/main">
+                <a:solidFill>
+                  <a:srgbClr val="FFFFFF"/>
+                </a:solidFill>
+              </a14:hiddenFill>
+            </a:ext>
+          </a:extLst>
+        </p:spPr>
+      </p:pic>
       <p:sp>
         <p:nvSpPr>
-          <p:cNvPr id="14" name="Espaço Reservado para Conteúdo 13"/>
+          <p:cNvPr id="7" name="Espaço Reservado para Conteúdo 13">
+            <a:extLst>
+              <a:ext uri="{FF2B5EF4-FFF2-40B4-BE49-F238E27FC236}">
+                <a16:creationId xmlns:a16="http://schemas.microsoft.com/office/drawing/2014/main" id="{A5D5D3B9-0931-46F6-8653-7F321F044A33}"/>
+              </a:ext>
+            </a:extLst>
+          </p:cNvPr>
           <p:cNvSpPr>
             <a:spLocks noGrp="1"/>
           </p:cNvSpPr>
@@ -10084,38 +11155,37 @@
             <p:ph idx="1"/>
           </p:nvPr>
         </p:nvSpPr>
-        <p:spPr/>
+        <p:spPr>
+          <a:xfrm>
+            <a:off x="0" y="2204864"/>
+            <a:ext cx="6096000" cy="4653136"/>
+          </a:xfrm>
+        </p:spPr>
         <p:txBody>
           <a:bodyPr rtlCol="0">
             <a:normAutofit/>
           </a:bodyPr>
           <a:lstStyle/>
           <a:p>
+            <a:r>
+              <a:rPr lang="pt-BR" sz="3600" dirty="0">
+                <a:latin typeface="Candara (Corpo)"/>
+              </a:rPr>
+              <a:t>São métodos que permite que maquinas tomem decisões e façam previsões baseada em analise de dados sem que tenham sido programadas para isso</a:t>
+            </a:r>
+          </a:p>
+          <a:p>
             <a:pPr marL="0" indent="0">
               <a:buNone/>
             </a:pPr>
-            <a:r>
-              <a:rPr lang="pt-BR" sz="3600" dirty="0"/>
-              <a:t>I.A utiliza esses algoritmos que hoje já  soma mais de </a:t>
-            </a:r>
-            <a:r>
-              <a:rPr lang="pt-BR" sz="3200" dirty="0">
-                <a:latin typeface="Arial" panose="020B0604020202020204" pitchFamily="34" charset="0"/>
-                <a:cs typeface="Arial" panose="020B0604020202020204" pitchFamily="34" charset="0"/>
-              </a:rPr>
-              <a:t>60</a:t>
-            </a:r>
-            <a:r>
-              <a:rPr lang="pt-BR" sz="3600" dirty="0"/>
-              <a:t> modelos de Machine Learning(M.L) como método para automatizar esses modelos analíticos.</a:t>
-            </a:r>
+            <a:endParaRPr lang="pt-BR" sz="3600" dirty="0"/>
           </a:p>
         </p:txBody>
       </p:sp>
     </p:spTree>
     <p:extLst>
       <p:ext uri="{BB962C8B-B14F-4D97-AF65-F5344CB8AC3E}">
-        <p14:creationId xmlns:p14="http://schemas.microsoft.com/office/powerpoint/2010/main" val="1729514788"/>
+        <p14:creationId xmlns:p14="http://schemas.microsoft.com/office/powerpoint/2010/main" val="1960566537"/>
       </p:ext>
     </p:extLst>
   </p:cSld>
@@ -10908,50 +11978,16 @@
 </a:theme>
 </file>
 
-<file path=ppt/theme/themeOverride1.xml><?xml version="1.0" encoding="utf-8"?>
-<a:themeOverride xmlns:a="http://schemas.openxmlformats.org/drawingml/2006/main">
-  <a:clrScheme name="TechComputer">
-    <a:dk1>
-      <a:srgbClr val="000000"/>
-    </a:dk1>
-    <a:lt1>
-      <a:sysClr val="window" lastClr="FFFFFF"/>
-    </a:lt1>
-    <a:dk2>
-      <a:srgbClr val="4D4D4D"/>
-    </a:dk2>
-    <a:lt2>
-      <a:srgbClr val="DDDDDD"/>
-    </a:lt2>
-    <a:accent1>
-      <a:srgbClr val="92D050"/>
-    </a:accent1>
-    <a:accent2>
-      <a:srgbClr val="F7C331"/>
-    </a:accent2>
-    <a:accent3>
-      <a:srgbClr val="47B8C7"/>
-    </a:accent3>
-    <a:accent4>
-      <a:srgbClr val="B074BA"/>
-    </a:accent4>
-    <a:accent5>
-      <a:srgbClr val="F34D47"/>
-    </a:accent5>
-    <a:accent6>
-      <a:srgbClr val="FA8F30"/>
-    </a:accent6>
-    <a:hlink>
-      <a:srgbClr val="47B8C7"/>
-    </a:hlink>
-    <a:folHlink>
-      <a:srgbClr val="969696"/>
-    </a:folHlink>
-  </a:clrScheme>
-</a:themeOverride>
+<file path=customXml/item1.xml><?xml version="1.0" encoding="utf-8"?>
+<?mso-contentType ?>
+<FormTemplates xmlns="http://schemas.microsoft.com/sharepoint/v3/contenttype/forms">
+  <Display>DocumentLibraryForm</Display>
+  <Edit>AssetEditForm</Edit>
+  <New>DocumentLibraryForm</New>
+</FormTemplates>
 </file>
 
-<file path=customXml/item1.xml><?xml version="1.0" encoding="utf-8"?>
+<file path=customXml/item2.xml><?xml version="1.0" encoding="utf-8"?>
 <ct:contentTypeSchema xmlns:ct="http://schemas.microsoft.com/office/2006/metadata/contentType" xmlns:ma="http://schemas.microsoft.com/office/2006/metadata/properties/metaAttributes" ct:_="" ma:_="" ma:contentTypeName="TemplateFile" ma:contentTypeID="0x0101006EDDDB5EE6D98C44930B742096920B300400F5B6D36B3EF94B4E9A635CDF2A18F5B8" ma:contentTypeVersion="72" ma:contentTypeDescription="Create a new document." ma:contentTypeScope="" ma:versionID="a23e56308344d904b51738559c3d67c9">
   <xsd:schema xmlns:xsd="http://www.w3.org/2001/XMLSchema" xmlns:xs="http://www.w3.org/2001/XMLSchema" xmlns:p="http://schemas.microsoft.com/office/2006/metadata/properties" xmlns:ns2="4873beb7-5857-4685-be1f-d57550cc96cc" targetNamespace="http://schemas.microsoft.com/office/2006/metadata/properties" ma:root="true" ma:fieldsID="cd0908cc4600e77bf5da051303e00c8d" ns2:_="">
     <xsd:import namespace="4873beb7-5857-4685-be1f-d57550cc96cc"/>
@@ -11991,15 +13027,6 @@
 </ct:contentTypeSchema>
 </file>
 
-<file path=customXml/item2.xml><?xml version="1.0" encoding="utf-8"?>
-<?mso-contentType ?>
-<FormTemplates xmlns="http://schemas.microsoft.com/sharepoint/v3/contenttype/forms">
-  <Display>DocumentLibraryForm</Display>
-  <Edit>AssetEditForm</Edit>
-  <New>DocumentLibraryForm</New>
-</FormTemplates>
-</file>
-
 <file path=customXml/item3.xml><?xml version="1.0" encoding="utf-8"?>
 <p:properties xmlns:p="http://schemas.microsoft.com/office/2006/metadata/properties" xmlns:xsi="http://www.w3.org/2001/XMLSchema-instance" xmlns:pc="http://schemas.microsoft.com/office/infopath/2007/PartnerControls">
   <documentManagement>
@@ -12127,6 +13154,14 @@
 </file>
 
 <file path=customXml/itemProps1.xml><?xml version="1.0" encoding="utf-8"?>
+<ds:datastoreItem xmlns:ds="http://schemas.openxmlformats.org/officeDocument/2006/customXml" ds:itemID="{746CFF6F-D9AA-4BC0-911A-0A1356771912}">
+  <ds:schemaRefs>
+    <ds:schemaRef ds:uri="http://schemas.microsoft.com/sharepoint/v3/contenttype/forms"/>
+  </ds:schemaRefs>
+</ds:datastoreItem>
+</file>
+
+<file path=customXml/itemProps2.xml><?xml version="1.0" encoding="utf-8"?>
 <ds:datastoreItem xmlns:ds="http://schemas.openxmlformats.org/officeDocument/2006/customXml" ds:itemID="{0B5C6E15-39DC-470B-9445-F754B9458020}">
   <ds:schemaRefs>
     <ds:schemaRef ds:uri="http://schemas.microsoft.com/office/2006/metadata/contentType"/>
@@ -12144,26 +13179,18 @@
 </ds:datastoreItem>
 </file>
 
-<file path=customXml/itemProps2.xml><?xml version="1.0" encoding="utf-8"?>
-<ds:datastoreItem xmlns:ds="http://schemas.openxmlformats.org/officeDocument/2006/customXml" ds:itemID="{746CFF6F-D9AA-4BC0-911A-0A1356771912}">
-  <ds:schemaRefs>
-    <ds:schemaRef ds:uri="http://schemas.microsoft.com/sharepoint/v3/contenttype/forms"/>
-  </ds:schemaRefs>
-</ds:datastoreItem>
-</file>
-
 <file path=customXml/itemProps3.xml><?xml version="1.0" encoding="utf-8"?>
 <ds:datastoreItem xmlns:ds="http://schemas.openxmlformats.org/officeDocument/2006/customXml" ds:itemID="{04098515-0C12-46CF-BC7C-69B4A13CD5FA}">
   <ds:schemaRefs>
+    <ds:schemaRef ds:uri="http://purl.org/dc/dcmitype/"/>
     <ds:schemaRef ds:uri="http://schemas.microsoft.com/office/2006/documentManagement/types"/>
+    <ds:schemaRef ds:uri="http://schemas.openxmlformats.org/package/2006/metadata/core-properties"/>
+    <ds:schemaRef ds:uri="http://schemas.microsoft.com/office/2006/metadata/properties"/>
     <ds:schemaRef ds:uri="4873beb7-5857-4685-be1f-d57550cc96cc"/>
-    <ds:schemaRef ds:uri="http://purl.org/dc/dcmitype/"/>
-    <ds:schemaRef ds:uri="http://schemas.microsoft.com/office/2006/metadata/properties"/>
-    <ds:schemaRef ds:uri="http://purl.org/dc/elements/1.1/"/>
     <ds:schemaRef ds:uri="http://purl.org/dc/terms/"/>
     <ds:schemaRef ds:uri="http://schemas.microsoft.com/office/infopath/2007/PartnerControls"/>
-    <ds:schemaRef ds:uri="http://schemas.openxmlformats.org/package/2006/metadata/core-properties"/>
     <ds:schemaRef ds:uri="http://www.w3.org/XML/1998/namespace"/>
+    <ds:schemaRef ds:uri="http://purl.org/dc/elements/1.1/"/>
   </ds:schemaRefs>
 </ds:datastoreItem>
 </file>
--- a/IA/IA.pptx
+++ b/IA/IA.pptx
@@ -1511,7 +1511,7 @@
               <a:ea typeface="+mn-ea"/>
               <a:cs typeface="+mn-cs"/>
             </a:rPr>
-            <a:t>dimencional</a:t>
+            <a:t>Dimencional</a:t>
           </a:r>
           <a:endParaRPr lang="en-US" sz="2600" b="1" i="0" kern="1200" dirty="0">
             <a:solidFill>
@@ -3518,7 +3518,7 @@
               <a:ea typeface="+mn-ea"/>
               <a:cs typeface="+mn-cs"/>
             </a:rPr>
-            <a:t>dimencional</a:t>
+            <a:t>Dimencional</a:t>
           </a:r>
           <a:endParaRPr lang="en-US" sz="2600" b="1" i="0" kern="1200" dirty="0">
             <a:solidFill>
@@ -5080,7 +5080,7 @@
             <a:fld id="{D4FBF263-DEC6-4A9D-8C97-B85A8CB8C50E}" type="datetime1">
               <a:rPr lang="pt-BR" smtClean="0"/>
               <a:pPr algn="r" rtl="0"/>
-              <a:t>14/03/2019</a:t>
+              <a:t>15/03/2019</a:t>
             </a:fld>
             <a:endParaRPr lang="pt-BR" dirty="0"/>
           </a:p>
@@ -5250,7 +5250,7 @@
             <a:fld id="{8C123CB6-8505-484D-AD49-CCA5FF708E8E}" type="datetime1">
               <a:rPr lang="pt-BR" noProof="0" smtClean="0"/>
               <a:pPr/>
-              <a:t>14/03/2019</a:t>
+              <a:t>15/03/2019</a:t>
             </a:fld>
             <a:endParaRPr lang="pt-BR" noProof="0" dirty="0"/>
           </a:p>
@@ -5897,7 +5897,7 @@
             <a:fld id="{332DDEFA-DB5B-4288-BFD4-28EED68507B6}" type="datetime1">
               <a:rPr lang="pt-BR" noProof="0" smtClean="0"/>
               <a:pPr/>
-              <a:t>14/03/2019</a:t>
+              <a:t>15/03/2019</a:t>
             </a:fld>
             <a:endParaRPr lang="pt-BR" noProof="0" dirty="0"/>
           </a:p>
@@ -6089,7 +6089,7 @@
             <a:fld id="{22BFE731-CCCB-4F3F-8490-9D481963C25C}" type="datetime1">
               <a:rPr lang="pt-BR" noProof="0" smtClean="0"/>
               <a:pPr/>
-              <a:t>14/03/2019</a:t>
+              <a:t>15/03/2019</a:t>
             </a:fld>
             <a:endParaRPr lang="pt-BR" noProof="0" dirty="0"/>
           </a:p>
@@ -6275,7 +6275,7 @@
             <a:fld id="{9509B53E-5F46-420C-9FC5-DAEB88ACCC36}" type="datetime1">
               <a:rPr lang="pt-BR" noProof="0" smtClean="0"/>
               <a:pPr/>
-              <a:t>14/03/2019</a:t>
+              <a:t>15/03/2019</a:t>
             </a:fld>
             <a:endParaRPr lang="pt-BR" noProof="0" dirty="0"/>
           </a:p>
@@ -6723,7 +6723,7 @@
             <a:fld id="{E7E64EAC-5602-4386-82F0-40AD884218D6}" type="datetime1">
               <a:rPr lang="pt-BR" noProof="0" smtClean="0"/>
               <a:pPr/>
-              <a:t>14/03/2019</a:t>
+              <a:t>15/03/2019</a:t>
             </a:fld>
             <a:endParaRPr lang="pt-BR" noProof="0" dirty="0"/>
           </a:p>
@@ -7175,7 +7175,7 @@
             <a:fld id="{7A9F0ECE-4690-40DC-8016-3D7B9FECC6A6}" type="datetime1">
               <a:rPr lang="pt-BR" noProof="0" smtClean="0"/>
               <a:pPr/>
-              <a:t>14/03/2019</a:t>
+              <a:t>15/03/2019</a:t>
             </a:fld>
             <a:endParaRPr lang="pt-BR" noProof="0" dirty="0"/>
           </a:p>
@@ -7305,7 +7305,7 @@
             <a:fld id="{7D2E0B61-5964-4D91-A168-D7CB792A2B2D}" type="datetime1">
               <a:rPr lang="pt-BR" noProof="0" smtClean="0"/>
               <a:pPr/>
-              <a:t>14/03/2019</a:t>
+              <a:t>15/03/2019</a:t>
             </a:fld>
             <a:endParaRPr lang="pt-BR" noProof="0" dirty="0"/>
           </a:p>
@@ -7407,7 +7407,7 @@
             <a:fld id="{14555902-7965-4B4C-B9FC-820C063D4756}" type="datetime1">
               <a:rPr lang="pt-BR" noProof="0" smtClean="0"/>
               <a:pPr/>
-              <a:t>14/03/2019</a:t>
+              <a:t>15/03/2019</a:t>
             </a:fld>
             <a:endParaRPr lang="pt-BR" noProof="0" dirty="0"/>
           </a:p>
@@ -7699,7 +7699,7 @@
             <a:fld id="{297EB872-3A44-4095-8573-160D8312FA73}" type="datetime1">
               <a:rPr lang="pt-BR" noProof="0" smtClean="0"/>
               <a:pPr/>
-              <a:t>14/03/2019</a:t>
+              <a:t>15/03/2019</a:t>
             </a:fld>
             <a:endParaRPr lang="pt-BR" noProof="0" dirty="0"/>
           </a:p>
@@ -8021,7 +8021,7 @@
             <a:fld id="{550E4E7D-D0A9-4DEE-9266-00B85AF59F3B}" type="datetime1">
               <a:rPr lang="pt-BR" noProof="0" smtClean="0"/>
               <a:pPr/>
-              <a:t>14/03/2019</a:t>
+              <a:t>15/03/2019</a:t>
             </a:fld>
             <a:endParaRPr lang="pt-BR" noProof="0" dirty="0"/>
           </a:p>
@@ -8236,7 +8236,7 @@
             <a:fld id="{E436AF61-35ED-497B-AFBC-44E1662D60CA}" type="datetime1">
               <a:rPr lang="pt-BR" noProof="0" smtClean="0"/>
               <a:pPr/>
-              <a:t>14/03/2019</a:t>
+              <a:t>15/03/2019</a:t>
             </a:fld>
             <a:endParaRPr lang="pt-BR" noProof="0" dirty="0"/>
           </a:p>
@@ -9419,7 +9419,7 @@
             <p:ph idx="1"/>
             <p:extLst>
               <p:ext uri="{D42A27DB-BD31-4B8C-83A1-F6EECF244321}">
-                <p14:modId xmlns:p14="http://schemas.microsoft.com/office/powerpoint/2010/main" val="2998381749"/>
+                <p14:modId xmlns:p14="http://schemas.microsoft.com/office/powerpoint/2010/main" val="4114581005"/>
               </p:ext>
             </p:extLst>
           </p:nvPr>
@@ -9547,6 +9547,53 @@
           </a:p>
         </p:txBody>
       </p:sp>
+      <p:pic>
+        <p:nvPicPr>
+          <p:cNvPr id="2050" name="Picture 2" descr="Resultado de imagem para aprendizado de maquina">
+            <a:extLst>
+              <a:ext uri="{FF2B5EF4-FFF2-40B4-BE49-F238E27FC236}">
+                <a16:creationId xmlns:a16="http://schemas.microsoft.com/office/drawing/2014/main" id="{C2619E46-B297-4B72-8AD3-A4B8FC2A6AF1}"/>
+              </a:ext>
+            </a:extLst>
+          </p:cNvPr>
+          <p:cNvPicPr>
+            <a:picLocks noChangeAspect="1" noChangeArrowheads="1"/>
+          </p:cNvPicPr>
+          <p:nvPr/>
+        </p:nvPicPr>
+        <p:blipFill>
+          <a:blip r:embed="rId2">
+            <a:extLst>
+              <a:ext uri="{28A0092B-C50C-407E-A947-70E740481C1C}">
+                <a14:useLocalDpi xmlns:a14="http://schemas.microsoft.com/office/drawing/2010/main" val="0"/>
+              </a:ext>
+            </a:extLst>
+          </a:blip>
+          <a:srcRect/>
+          <a:stretch>
+            <a:fillRect/>
+          </a:stretch>
+        </p:blipFill>
+        <p:spPr bwMode="auto">
+          <a:xfrm>
+            <a:off x="6384032" y="3068960"/>
+            <a:ext cx="5272261" cy="2791197"/>
+          </a:xfrm>
+          <a:prstGeom prst="rect">
+            <a:avLst/>
+          </a:prstGeom>
+          <a:noFill/>
+          <a:extLst>
+            <a:ext uri="{909E8E84-426E-40DD-AFC4-6F175D3DCCD1}">
+              <a14:hiddenFill xmlns:a14="http://schemas.microsoft.com/office/drawing/2010/main">
+                <a:solidFill>
+                  <a:srgbClr val="FFFFFF"/>
+                </a:solidFill>
+              </a14:hiddenFill>
+            </a:ext>
+          </a:extLst>
+        </p:spPr>
+      </p:pic>
     </p:spTree>
     <p:extLst>
       <p:ext uri="{BB962C8B-B14F-4D97-AF65-F5344CB8AC3E}">
@@ -9977,6 +10024,13 @@
               <a:buFont typeface="+mj-lt"/>
               <a:buAutoNum type="arabicPeriod"/>
             </a:pPr>
+            <a:endParaRPr lang="pt-BR" sz="2600" dirty="0"/>
+          </a:p>
+          <a:p>
+            <a:pPr marL="457200" indent="-457200" fontAlgn="base">
+              <a:buFont typeface="+mj-lt"/>
+              <a:buAutoNum type="arabicPeriod"/>
+            </a:pPr>
             <a:r>
               <a:rPr lang="pt-BR" sz="2600" dirty="0"/>
               <a:t>Previsão de falhas em equipamento</a:t>
@@ -10177,7 +10231,22 @@
             </a:pPr>
             <a:r>
               <a:rPr lang="pt-BR" sz="3600" dirty="0"/>
-              <a:t>É a faculdade de conhecer, compreender e aprender.</a:t>
+              <a:t>É a faculdade de sentir, conhecer, compreender e aprender.</a:t>
+            </a:r>
+          </a:p>
+          <a:p>
+            <a:pPr marL="0" indent="0">
+              <a:buNone/>
+            </a:pPr>
+            <a:r>
+              <a:rPr lang="pt-BR" sz="1600" dirty="0">
+                <a:hlinkClick r:id="rId2"/>
+              </a:rPr>
+              <a:t>https://www.significados.com.br/inteligencia/</a:t>
+            </a:r>
+            <a:r>
+              <a:rPr lang="pt-BR" sz="1600" dirty="0"/>
+              <a:t> acessado em 15/03/2019</a:t>
             </a:r>
           </a:p>
         </p:txBody>
@@ -10197,7 +10266,7 @@
           <p:nvPr/>
         </p:nvPicPr>
         <p:blipFill>
-          <a:blip r:embed="rId2">
+          <a:blip r:embed="rId3">
             <a:extLst>
               <a:ext uri="{28A0092B-C50C-407E-A947-70E740481C1C}">
                 <a14:useLocalDpi xmlns:a14="http://schemas.microsoft.com/office/drawing/2010/main" val="0"/>
@@ -10354,14 +10423,19 @@
             <p:ph type="title"/>
           </p:nvPr>
         </p:nvSpPr>
-        <p:spPr/>
+        <p:spPr>
+          <a:xfrm>
+            <a:off x="119336" y="457200"/>
+            <a:ext cx="5328592" cy="1143000"/>
+          </a:xfrm>
+        </p:spPr>
         <p:txBody>
           <a:bodyPr rtlCol="0" anchor="ctr">
             <a:normAutofit/>
           </a:bodyPr>
           <a:lstStyle/>
           <a:p>
-            <a:pPr rtl="0"/>
+            <a:pPr algn="ctr" rtl="0"/>
             <a:r>
               <a:rPr lang="pt-BR" sz="6000" dirty="0"/>
               <a:t>O que são?</a:t>
@@ -10379,7 +10453,12 @@
             <p:ph sz="half" idx="1"/>
           </p:nvPr>
         </p:nvSpPr>
-        <p:spPr/>
+        <p:spPr>
+          <a:xfrm>
+            <a:off x="263352" y="1825625"/>
+            <a:ext cx="5112568" cy="4699719"/>
+          </a:xfrm>
+        </p:spPr>
         <p:txBody>
           <a:bodyPr rtlCol="0">
             <a:normAutofit/>
@@ -10407,6 +10486,53 @@
           </a:p>
         </p:txBody>
       </p:sp>
+      <p:pic>
+        <p:nvPicPr>
+          <p:cNvPr id="1026" name="Picture 2" descr="Imagem relacionada">
+            <a:extLst>
+              <a:ext uri="{FF2B5EF4-FFF2-40B4-BE49-F238E27FC236}">
+                <a16:creationId xmlns:a16="http://schemas.microsoft.com/office/drawing/2014/main" id="{41239270-6026-4AF4-A7B0-B49F5B9187EE}"/>
+              </a:ext>
+            </a:extLst>
+          </p:cNvPr>
+          <p:cNvPicPr>
+            <a:picLocks noChangeAspect="1" noChangeArrowheads="1"/>
+          </p:cNvPicPr>
+          <p:nvPr/>
+        </p:nvPicPr>
+        <p:blipFill>
+          <a:blip r:embed="rId2">
+            <a:extLst>
+              <a:ext uri="{28A0092B-C50C-407E-A947-70E740481C1C}">
+                <a14:useLocalDpi xmlns:a14="http://schemas.microsoft.com/office/drawing/2010/main" val="0"/>
+              </a:ext>
+            </a:extLst>
+          </a:blip>
+          <a:srcRect/>
+          <a:stretch>
+            <a:fillRect/>
+          </a:stretch>
+        </p:blipFill>
+        <p:spPr bwMode="auto">
+          <a:xfrm>
+            <a:off x="5519936" y="0"/>
+            <a:ext cx="6672064" cy="6858000"/>
+          </a:xfrm>
+          <a:prstGeom prst="rect">
+            <a:avLst/>
+          </a:prstGeom>
+          <a:noFill/>
+          <a:extLst>
+            <a:ext uri="{909E8E84-426E-40DD-AFC4-6F175D3DCCD1}">
+              <a14:hiddenFill xmlns:a14="http://schemas.microsoft.com/office/drawing/2010/main">
+                <a:solidFill>
+                  <a:srgbClr val="FFFFFF"/>
+                </a:solidFill>
+              </a14:hiddenFill>
+            </a:ext>
+          </a:extLst>
+        </p:spPr>
+      </p:pic>
     </p:spTree>
     <p:extLst>
       <p:ext uri="{BB962C8B-B14F-4D97-AF65-F5344CB8AC3E}">
@@ -10447,14 +10573,19 @@
             <p:ph type="title"/>
           </p:nvPr>
         </p:nvSpPr>
-        <p:spPr/>
+        <p:spPr>
+          <a:xfrm>
+            <a:off x="119336" y="457200"/>
+            <a:ext cx="5616624" cy="1143000"/>
+          </a:xfrm>
+        </p:spPr>
         <p:txBody>
           <a:bodyPr rtlCol="0" anchor="ctr">
             <a:normAutofit/>
           </a:bodyPr>
           <a:lstStyle/>
           <a:p>
-            <a:pPr rtl="0"/>
+            <a:pPr algn="ctr" rtl="0"/>
             <a:r>
               <a:rPr lang="pt-BR" sz="5400" dirty="0"/>
               <a:t>Big Data</a:t>
@@ -10474,8 +10605,8 @@
         </p:nvSpPr>
         <p:spPr>
           <a:xfrm>
-            <a:off x="1524000" y="1828800"/>
-            <a:ext cx="3275856" cy="4267200"/>
+            <a:off x="119336" y="1828800"/>
+            <a:ext cx="5472608" cy="4267200"/>
           </a:xfrm>
         </p:spPr>
         <p:txBody>
@@ -10484,9 +10615,6 @@
           </a:bodyPr>
           <a:lstStyle/>
           <a:p>
-            <a:pPr marL="0" indent="0">
-              <a:buNone/>
-            </a:pPr>
             <a:r>
               <a:rPr lang="pt-BR" sz="2400" dirty="0"/>
               <a:t>É um grande conjunto de dados gerado e armazenado que aplicativos convencionais não consegue lidar.  Este grande volume de dados deu a origem um nova área de atuação a Data Science.</a:t>
@@ -10581,14 +10709,19 @@
             <p:ph type="title"/>
           </p:nvPr>
         </p:nvSpPr>
-        <p:spPr/>
+        <p:spPr>
+          <a:xfrm>
+            <a:off x="47328" y="457200"/>
+            <a:ext cx="5904656" cy="1143000"/>
+          </a:xfrm>
+        </p:spPr>
         <p:txBody>
           <a:bodyPr rtlCol="0" anchor="ctr">
             <a:normAutofit/>
           </a:bodyPr>
           <a:lstStyle/>
           <a:p>
-            <a:pPr rtl="0"/>
+            <a:pPr algn="ctr" rtl="0"/>
             <a:r>
               <a:rPr lang="pt-BR" sz="5400" dirty="0"/>
               <a:t>Data Science</a:t>
@@ -10608,8 +10741,8 @@
         </p:nvSpPr>
         <p:spPr>
           <a:xfrm>
-            <a:off x="1524000" y="1828800"/>
-            <a:ext cx="4572000" cy="4267200"/>
+            <a:off x="119336" y="1828800"/>
+            <a:ext cx="5760640" cy="4267200"/>
           </a:xfrm>
         </p:spPr>
         <p:txBody>
@@ -10618,12 +10751,45 @@
           </a:bodyPr>
           <a:lstStyle/>
           <a:p>
-            <a:pPr marL="0" indent="0">
-              <a:buNone/>
-            </a:pPr>
             <a:r>
               <a:rPr lang="pt-BR" sz="2400" dirty="0"/>
-              <a:t>Data Science ou Ciência de dados é uma área que estuda negócios, ciência da computação e Matemática/Estatística para processar com Velocidade esse grande Volume e Variedade de dados transformando isso em informação para auxiliar a tomada de decisão das organizações.</a:t>
+              <a:t>Data Science ou Ciência de dados é uma área que estuda negócios, ciência da computação e Matemática/Estatística para processar com </a:t>
+            </a:r>
+            <a:r>
+              <a:rPr lang="pt-BR" sz="2400" dirty="0">
+                <a:solidFill>
+                  <a:schemeClr val="accent1"/>
+                </a:solidFill>
+              </a:rPr>
+              <a:t>Velocidade</a:t>
+            </a:r>
+            <a:r>
+              <a:rPr lang="pt-BR" sz="2400" dirty="0"/>
+              <a:t> esse grande </a:t>
+            </a:r>
+            <a:r>
+              <a:rPr lang="pt-BR" sz="2400" dirty="0">
+                <a:solidFill>
+                  <a:schemeClr val="accent1"/>
+                </a:solidFill>
+              </a:rPr>
+              <a:t>Volume</a:t>
+            </a:r>
+            <a:r>
+              <a:rPr lang="pt-BR" sz="2400" dirty="0"/>
+              <a:t> e </a:t>
+            </a:r>
+            <a:r>
+              <a:rPr lang="pt-BR" sz="2400" dirty="0">
+                <a:solidFill>
+                  <a:schemeClr val="accent1"/>
+                </a:solidFill>
+              </a:rPr>
+              <a:t>Variedade</a:t>
+            </a:r>
+            <a:r>
+              <a:rPr lang="pt-BR" sz="2400" dirty="0"/>
+              <a:t> de dados transformando isso em informação para auxiliar a tomada de decisão das organizações.</a:t>
             </a:r>
           </a:p>
         </p:txBody>
@@ -11163,7 +11329,7 @@
         </p:spPr>
         <p:txBody>
           <a:bodyPr rtlCol="0">
-            <a:normAutofit/>
+            <a:normAutofit lnSpcReduction="10000"/>
           </a:bodyPr>
           <a:lstStyle/>
           <a:p>
@@ -11172,6 +11338,14 @@
                 <a:latin typeface="Candara (Corpo)"/>
               </a:rPr>
               <a:t>São métodos que permite que maquinas tomem decisões e façam previsões baseada em analise de dados sem que tenham sido programadas para isso</a:t>
+            </a:r>
+          </a:p>
+          <a:p>
+            <a:r>
+              <a:rPr lang="pt-BR" sz="3600" dirty="0">
+                <a:latin typeface="Candara (Corpo)"/>
+              </a:rPr>
+              <a:t>Machine Learning é Matemática, Estatística e programação</a:t>
             </a:r>
           </a:p>
           <a:p>
@@ -11979,15 +12153,6 @@
 </file>
 
 <file path=customXml/item1.xml><?xml version="1.0" encoding="utf-8"?>
-<?mso-contentType ?>
-<FormTemplates xmlns="http://schemas.microsoft.com/sharepoint/v3/contenttype/forms">
-  <Display>DocumentLibraryForm</Display>
-  <Edit>AssetEditForm</Edit>
-  <New>DocumentLibraryForm</New>
-</FormTemplates>
-</file>
-
-<file path=customXml/item2.xml><?xml version="1.0" encoding="utf-8"?>
 <ct:contentTypeSchema xmlns:ct="http://schemas.microsoft.com/office/2006/metadata/contentType" xmlns:ma="http://schemas.microsoft.com/office/2006/metadata/properties/metaAttributes" ct:_="" ma:_="" ma:contentTypeName="TemplateFile" ma:contentTypeID="0x0101006EDDDB5EE6D98C44930B742096920B300400F5B6D36B3EF94B4E9A635CDF2A18F5B8" ma:contentTypeVersion="72" ma:contentTypeDescription="Create a new document." ma:contentTypeScope="" ma:versionID="a23e56308344d904b51738559c3d67c9">
   <xsd:schema xmlns:xsd="http://www.w3.org/2001/XMLSchema" xmlns:xs="http://www.w3.org/2001/XMLSchema" xmlns:p="http://schemas.microsoft.com/office/2006/metadata/properties" xmlns:ns2="4873beb7-5857-4685-be1f-d57550cc96cc" targetNamespace="http://schemas.microsoft.com/office/2006/metadata/properties" ma:root="true" ma:fieldsID="cd0908cc4600e77bf5da051303e00c8d" ns2:_="">
     <xsd:import namespace="4873beb7-5857-4685-be1f-d57550cc96cc"/>
@@ -13027,6 +13192,15 @@
 </ct:contentTypeSchema>
 </file>
 
+<file path=customXml/item2.xml><?xml version="1.0" encoding="utf-8"?>
+<?mso-contentType ?>
+<FormTemplates xmlns="http://schemas.microsoft.com/sharepoint/v3/contenttype/forms">
+  <Display>DocumentLibraryForm</Display>
+  <Edit>AssetEditForm</Edit>
+  <New>DocumentLibraryForm</New>
+</FormTemplates>
+</file>
+
 <file path=customXml/item3.xml><?xml version="1.0" encoding="utf-8"?>
 <p:properties xmlns:p="http://schemas.microsoft.com/office/2006/metadata/properties" xmlns:xsi="http://www.w3.org/2001/XMLSchema-instance" xmlns:pc="http://schemas.microsoft.com/office/infopath/2007/PartnerControls">
   <documentManagement>
@@ -13154,14 +13328,6 @@
 </file>
 
 <file path=customXml/itemProps1.xml><?xml version="1.0" encoding="utf-8"?>
-<ds:datastoreItem xmlns:ds="http://schemas.openxmlformats.org/officeDocument/2006/customXml" ds:itemID="{746CFF6F-D9AA-4BC0-911A-0A1356771912}">
-  <ds:schemaRefs>
-    <ds:schemaRef ds:uri="http://schemas.microsoft.com/sharepoint/v3/contenttype/forms"/>
-  </ds:schemaRefs>
-</ds:datastoreItem>
-</file>
-
-<file path=customXml/itemProps2.xml><?xml version="1.0" encoding="utf-8"?>
 <ds:datastoreItem xmlns:ds="http://schemas.openxmlformats.org/officeDocument/2006/customXml" ds:itemID="{0B5C6E15-39DC-470B-9445-F754B9458020}">
   <ds:schemaRefs>
     <ds:schemaRef ds:uri="http://schemas.microsoft.com/office/2006/metadata/contentType"/>
@@ -13175,6 +13341,14 @@
     <ds:schemaRef ds:uri="http://purl.org/dc/elements/1.1/"/>
     <ds:schemaRef ds:uri="http://purl.org/dc/terms/"/>
     <ds:schemaRef ds:uri="http://schemas.microsoft.com/internal/obd"/>
+  </ds:schemaRefs>
+</ds:datastoreItem>
+</file>
+
+<file path=customXml/itemProps2.xml><?xml version="1.0" encoding="utf-8"?>
+<ds:datastoreItem xmlns:ds="http://schemas.openxmlformats.org/officeDocument/2006/customXml" ds:itemID="{746CFF6F-D9AA-4BC0-911A-0A1356771912}">
+  <ds:schemaRefs>
+    <ds:schemaRef ds:uri="http://schemas.microsoft.com/sharepoint/v3/contenttype/forms"/>
   </ds:schemaRefs>
 </ds:datastoreItem>
 </file>
